--- a/folien/week1.pptx
+++ b/folien/week1.pptx
@@ -5,26 +5,27 @@
     <p:sldMasterId id="2147483664" r:id="rId1"/>
   </p:sldMasterIdLst>
   <p:notesMasterIdLst>
-    <p:notesMasterId r:id="rId19"/>
+    <p:notesMasterId r:id="rId20"/>
   </p:notesMasterIdLst>
   <p:sldIdLst>
     <p:sldId id="257" r:id="rId2"/>
     <p:sldId id="258" r:id="rId3"/>
     <p:sldId id="259" r:id="rId4"/>
     <p:sldId id="273" r:id="rId5"/>
-    <p:sldId id="276" r:id="rId6"/>
-    <p:sldId id="278" r:id="rId7"/>
-    <p:sldId id="281" r:id="rId8"/>
-    <p:sldId id="280" r:id="rId9"/>
-    <p:sldId id="279" r:id="rId10"/>
-    <p:sldId id="277" r:id="rId11"/>
-    <p:sldId id="261" r:id="rId12"/>
-    <p:sldId id="274" r:id="rId13"/>
-    <p:sldId id="275" r:id="rId14"/>
-    <p:sldId id="263" r:id="rId15"/>
-    <p:sldId id="271" r:id="rId16"/>
-    <p:sldId id="272" r:id="rId17"/>
-    <p:sldId id="270" r:id="rId18"/>
+    <p:sldId id="274" r:id="rId6"/>
+    <p:sldId id="275" r:id="rId7"/>
+    <p:sldId id="271" r:id="rId8"/>
+    <p:sldId id="272" r:id="rId9"/>
+    <p:sldId id="276" r:id="rId10"/>
+    <p:sldId id="278" r:id="rId11"/>
+    <p:sldId id="281" r:id="rId12"/>
+    <p:sldId id="280" r:id="rId13"/>
+    <p:sldId id="279" r:id="rId14"/>
+    <p:sldId id="277" r:id="rId15"/>
+    <p:sldId id="261" r:id="rId16"/>
+    <p:sldId id="263" r:id="rId17"/>
+    <p:sldId id="282" r:id="rId18"/>
+    <p:sldId id="270" r:id="rId19"/>
   </p:sldIdLst>
   <p:sldSz cx="9144000" cy="5143500" type="screen16x9"/>
   <p:notesSz cx="6858000" cy="9144000"/>
@@ -132,6 +133,10 @@
             <p14:sldId id="258"/>
             <p14:sldId id="259"/>
             <p14:sldId id="273"/>
+            <p14:sldId id="274"/>
+            <p14:sldId id="275"/>
+            <p14:sldId id="271"/>
+            <p14:sldId id="272"/>
             <p14:sldId id="276"/>
             <p14:sldId id="278"/>
             <p14:sldId id="281"/>
@@ -139,11 +144,8 @@
             <p14:sldId id="279"/>
             <p14:sldId id="277"/>
             <p14:sldId id="261"/>
-            <p14:sldId id="274"/>
-            <p14:sldId id="275"/>
             <p14:sldId id="263"/>
-            <p14:sldId id="271"/>
-            <p14:sldId id="272"/>
+            <p14:sldId id="282"/>
             <p14:sldId id="270"/>
           </p14:sldIdLst>
         </p14:section>
@@ -249,7 +251,7 @@
           <a:p>
             <a:fld id="{21C000D9-2858-4F4C-AF5C-64F79A7C2410}" type="datetimeFigureOut">
               <a:rPr lang="en-US" smtClean="0"/>
-              <a:t>4/13/2021</a:t>
+              <a:t>4/14/2021</a:t>
             </a:fld>
             <a:endParaRPr lang="en-US"/>
           </a:p>
@@ -514,6 +516,114 @@
     </a:lvl9pPr>
   </p:notesStyle>
 </p:notesMaster>
+</file>
+
+<file path=ppt/notesSlides/notesSlide1.xml><?xml version="1.0" encoding="utf-8"?>
+<p:notes xmlns:a="http://schemas.openxmlformats.org/drawingml/2006/main" xmlns:r="http://schemas.openxmlformats.org/officeDocument/2006/relationships" xmlns:p="http://schemas.openxmlformats.org/presentationml/2006/main">
+  <p:cSld>
+    <p:spTree>
+      <p:nvGrpSpPr>
+        <p:cNvPr id="1" name=""/>
+        <p:cNvGrpSpPr/>
+        <p:nvPr/>
+      </p:nvGrpSpPr>
+      <p:grpSpPr>
+        <a:xfrm>
+          <a:off x="0" y="0"/>
+          <a:ext cx="0" cy="0"/>
+          <a:chOff x="0" y="0"/>
+          <a:chExt cx="0" cy="0"/>
+        </a:xfrm>
+      </p:grpSpPr>
+      <p:sp>
+        <p:nvSpPr>
+          <p:cNvPr id="2" name="Slide Image Placeholder 1"/>
+          <p:cNvSpPr>
+            <a:spLocks noGrp="1" noRot="1" noChangeAspect="1"/>
+          </p:cNvSpPr>
+          <p:nvPr>
+            <p:ph type="sldImg"/>
+          </p:nvPr>
+        </p:nvSpPr>
+        <p:spPr/>
+      </p:sp>
+      <p:sp>
+        <p:nvSpPr>
+          <p:cNvPr id="3" name="Notes Placeholder 2"/>
+          <p:cNvSpPr>
+            <a:spLocks noGrp="1"/>
+          </p:cNvSpPr>
+          <p:nvPr>
+            <p:ph type="body" idx="1"/>
+          </p:nvPr>
+        </p:nvSpPr>
+        <p:spPr/>
+        <p:txBody>
+          <a:bodyPr/>
+          <a:lstStyle/>
+          <a:p>
+            <a:r>
+              <a:rPr lang="de-DE" dirty="0"/>
+              <a:t>Unterrichtsforschung: psychologische </a:t>
+            </a:r>
+            <a:r>
+              <a:rPr lang="de-DE" dirty="0" err="1"/>
+              <a:t>vs</a:t>
+            </a:r>
+            <a:r>
+              <a:rPr lang="de-DE" dirty="0"/>
+              <a:t> Bildung </a:t>
+            </a:r>
+            <a:r>
+              <a:rPr lang="de-DE" dirty="0" err="1"/>
+              <a:t>ermoeglichen</a:t>
+            </a:r>
+            <a:r>
+              <a:rPr lang="de-DE" dirty="0"/>
+              <a:t>: theoretische / konstruktivistische / philosophische </a:t>
+            </a:r>
+            <a:r>
+              <a:rPr lang="de-DE" dirty="0" err="1"/>
+              <a:t>perspective</a:t>
+            </a:r>
+            <a:endParaRPr lang="de-DE" dirty="0"/>
+          </a:p>
+        </p:txBody>
+      </p:sp>
+      <p:sp>
+        <p:nvSpPr>
+          <p:cNvPr id="4" name="Slide Number Placeholder 3"/>
+          <p:cNvSpPr>
+            <a:spLocks noGrp="1"/>
+          </p:cNvSpPr>
+          <p:nvPr>
+            <p:ph type="sldNum" sz="quarter" idx="5"/>
+          </p:nvPr>
+        </p:nvSpPr>
+        <p:spPr/>
+        <p:txBody>
+          <a:bodyPr/>
+          <a:lstStyle/>
+          <a:p>
+            <a:fld id="{C347FAF7-5C4E-4642-B377-C3A2CDCC9DA1}" type="slidenum">
+              <a:rPr lang="en-US" smtClean="0"/>
+              <a:t>6</a:t>
+            </a:fld>
+            <a:endParaRPr lang="en-US"/>
+          </a:p>
+        </p:txBody>
+      </p:sp>
+    </p:spTree>
+    <p:extLst>
+      <p:ext uri="{BB962C8B-B14F-4D97-AF65-F5344CB8AC3E}">
+        <p14:creationId xmlns:p14="http://schemas.microsoft.com/office/powerpoint/2010/main" val="1584312152"/>
+      </p:ext>
+    </p:extLst>
+  </p:cSld>
+  <p:clrMapOvr>
+    <a:masterClrMapping/>
+  </p:clrMapOvr>
+</p:notes>
 </file>
 
 <file path=ppt/slideLayouts/slideLayout1.xml><?xml version="1.0" encoding="utf-8"?>
@@ -2524,7 +2634,7 @@
                 <a:latin typeface="Arial" panose="020B0604020202020204" pitchFamily="34" charset="0"/>
                 <a:cs typeface="Arial" panose="020B0604020202020204" pitchFamily="34" charset="0"/>
               </a:rPr>
-              <a:t>Schepens | Textanalyse</a:t>
+              <a:t>Schepens | Didaktik</a:t>
             </a:r>
           </a:p>
         </p:txBody>
@@ -3206,6 +3316,711 @@
           <p:cNvPr id="2" name="Title 1">
             <a:extLst>
               <a:ext uri="{FF2B5EF4-FFF2-40B4-BE49-F238E27FC236}">
+                <a16:creationId xmlns:a16="http://schemas.microsoft.com/office/drawing/2014/main" id="{95952DCC-AE23-4D48-AFA2-2E8ACC682ABD}"/>
+              </a:ext>
+            </a:extLst>
+          </p:cNvPr>
+          <p:cNvSpPr>
+            <a:spLocks noGrp="1"/>
+          </p:cNvSpPr>
+          <p:nvPr>
+            <p:ph type="title"/>
+          </p:nvPr>
+        </p:nvSpPr>
+        <p:spPr/>
+        <p:txBody>
+          <a:bodyPr/>
+          <a:lstStyle/>
+          <a:p>
+            <a:r>
+              <a:rPr lang="en-US" dirty="0" err="1"/>
+              <a:t>Einf</a:t>
+            </a:r>
+            <a:r>
+              <a:rPr lang="de-DE" dirty="0"/>
+              <a:t>ü</a:t>
+            </a:r>
+            <a:r>
+              <a:rPr lang="en-US" dirty="0" err="1"/>
+              <a:t>hrung</a:t>
+            </a:r>
+            <a:endParaRPr lang="en-US" dirty="0"/>
+          </a:p>
+        </p:txBody>
+      </p:sp>
+      <p:sp>
+        <p:nvSpPr>
+          <p:cNvPr id="3" name="Text Placeholder 2">
+            <a:extLst>
+              <a:ext uri="{FF2B5EF4-FFF2-40B4-BE49-F238E27FC236}">
+                <a16:creationId xmlns:a16="http://schemas.microsoft.com/office/drawing/2014/main" id="{A481241E-CD9B-4798-AD0A-F989EE6BE5CB}"/>
+              </a:ext>
+            </a:extLst>
+          </p:cNvPr>
+          <p:cNvSpPr>
+            <a:spLocks noGrp="1"/>
+          </p:cNvSpPr>
+          <p:nvPr>
+            <p:ph type="body" sz="quarter" idx="10"/>
+          </p:nvPr>
+        </p:nvSpPr>
+        <p:spPr>
+          <a:xfrm>
+            <a:off x="250824" y="1491630"/>
+            <a:ext cx="9145711" cy="3240087"/>
+          </a:xfrm>
+        </p:spPr>
+        <p:txBody>
+          <a:bodyPr/>
+          <a:lstStyle/>
+          <a:p>
+            <a:r>
+              <a:rPr lang="de-DE" sz="1800" dirty="0">
+                <a:solidFill>
+                  <a:schemeClr val="tx1"/>
+                </a:solidFill>
+              </a:rPr>
+              <a:t>Subjektive </a:t>
+            </a:r>
+            <a:r>
+              <a:rPr lang="de-DE" sz="1800" dirty="0">
+                <a:solidFill>
+                  <a:schemeClr val="tx1"/>
+                </a:solidFill>
+                <a:latin typeface="Arial" panose="020B0604020202020204" pitchFamily="34" charset="0"/>
+                <a:cs typeface="Arial" panose="020B0604020202020204" pitchFamily="34" charset="0"/>
+              </a:rPr>
+              <a:t>Wertentscheidungen</a:t>
+            </a:r>
+          </a:p>
+          <a:p>
+            <a:pPr lvl="1"/>
+            <a:r>
+              <a:rPr lang="de-DE" sz="1800" dirty="0">
+                <a:latin typeface="Arial" panose="020B0604020202020204" pitchFamily="34" charset="0"/>
+                <a:cs typeface="Arial" panose="020B0604020202020204" pitchFamily="34" charset="0"/>
+              </a:rPr>
+              <a:t>die Kunst, mit Lehre Bildung zu ermöglichen</a:t>
+            </a:r>
+          </a:p>
+          <a:p>
+            <a:r>
+              <a:rPr lang="de-DE" sz="1800" dirty="0">
+                <a:solidFill>
+                  <a:schemeClr val="tx1"/>
+                </a:solidFill>
+              </a:rPr>
+              <a:t>Allgemeine Didaktik != </a:t>
+            </a:r>
+            <a:r>
+              <a:rPr lang="de-DE" sz="1800" dirty="0" err="1">
+                <a:solidFill>
+                  <a:schemeClr val="tx1"/>
+                </a:solidFill>
+              </a:rPr>
+              <a:t>Instructional</a:t>
+            </a:r>
+            <a:r>
+              <a:rPr lang="de-DE" sz="1800" dirty="0">
+                <a:solidFill>
+                  <a:schemeClr val="tx1"/>
+                </a:solidFill>
+              </a:rPr>
+              <a:t> Design</a:t>
+            </a:r>
+          </a:p>
+          <a:p>
+            <a:r>
+              <a:rPr lang="de-DE" sz="1800" dirty="0">
+                <a:solidFill>
+                  <a:schemeClr val="tx1"/>
+                </a:solidFill>
+              </a:rPr>
+              <a:t>Nur </a:t>
+            </a:r>
+            <a:r>
+              <a:rPr lang="de-DE" sz="1800" dirty="0" err="1">
+                <a:solidFill>
+                  <a:schemeClr val="tx1"/>
+                </a:solidFill>
+              </a:rPr>
+              <a:t>inhalt</a:t>
+            </a:r>
+            <a:r>
+              <a:rPr lang="de-DE" sz="1800" dirty="0">
+                <a:solidFill>
+                  <a:schemeClr val="tx1"/>
+                </a:solidFill>
+              </a:rPr>
+              <a:t> oder Inhalt und Methoden? </a:t>
+            </a:r>
+          </a:p>
+          <a:p>
+            <a:r>
+              <a:rPr lang="de-DE" sz="1800" dirty="0">
+                <a:solidFill>
+                  <a:schemeClr val="tx1"/>
+                </a:solidFill>
+              </a:rPr>
+              <a:t>Allgemeine Didaktik als Sündenbock?</a:t>
+            </a:r>
+          </a:p>
+          <a:p>
+            <a:pPr lvl="1"/>
+            <a:r>
+              <a:rPr lang="de-DE" sz="1800" dirty="0">
+                <a:latin typeface="Arial" panose="020B0604020202020204" pitchFamily="34" charset="0"/>
+                <a:cs typeface="Arial" panose="020B0604020202020204" pitchFamily="34" charset="0"/>
+              </a:rPr>
+              <a:t>Effektivität (Pisa), Praktikabilität (Alltag), Brauchbarkeit (</a:t>
+            </a:r>
+            <a:r>
+              <a:rPr lang="de-DE" sz="1800" dirty="0" err="1">
+                <a:latin typeface="Arial" panose="020B0604020202020204" pitchFamily="34" charset="0"/>
+                <a:cs typeface="Arial" panose="020B0604020202020204" pitchFamily="34" charset="0"/>
+              </a:rPr>
+              <a:t>zuviele</a:t>
+            </a:r>
+            <a:r>
+              <a:rPr lang="de-DE" sz="1800" dirty="0">
+                <a:latin typeface="Arial" panose="020B0604020202020204" pitchFamily="34" charset="0"/>
+                <a:cs typeface="Arial" panose="020B0604020202020204" pitchFamily="34" charset="0"/>
+              </a:rPr>
+              <a:t> Modelle)</a:t>
+            </a:r>
+          </a:p>
+        </p:txBody>
+      </p:sp>
+    </p:spTree>
+    <p:extLst>
+      <p:ext uri="{BB962C8B-B14F-4D97-AF65-F5344CB8AC3E}">
+        <p14:creationId xmlns:p14="http://schemas.microsoft.com/office/powerpoint/2010/main" val="459133199"/>
+      </p:ext>
+    </p:extLst>
+  </p:cSld>
+  <p:clrMapOvr>
+    <a:masterClrMapping/>
+  </p:clrMapOvr>
+</p:sld>
+</file>
+
+<file path=ppt/slides/slide11.xml><?xml version="1.0" encoding="utf-8"?>
+<p:sld xmlns:a="http://schemas.openxmlformats.org/drawingml/2006/main" xmlns:r="http://schemas.openxmlformats.org/officeDocument/2006/relationships" xmlns:p="http://schemas.openxmlformats.org/presentationml/2006/main">
+  <p:cSld>
+    <p:spTree>
+      <p:nvGrpSpPr>
+        <p:cNvPr id="1" name=""/>
+        <p:cNvGrpSpPr/>
+        <p:nvPr/>
+      </p:nvGrpSpPr>
+      <p:grpSpPr>
+        <a:xfrm>
+          <a:off x="0" y="0"/>
+          <a:ext cx="0" cy="0"/>
+          <a:chOff x="0" y="0"/>
+          <a:chExt cx="0" cy="0"/>
+        </a:xfrm>
+      </p:grpSpPr>
+      <p:sp>
+        <p:nvSpPr>
+          <p:cNvPr id="2" name="Title 1">
+            <a:extLst>
+              <a:ext uri="{FF2B5EF4-FFF2-40B4-BE49-F238E27FC236}">
+                <a16:creationId xmlns:a16="http://schemas.microsoft.com/office/drawing/2014/main" id="{18357738-F44C-4C14-A42F-8F481648CDC8}"/>
+              </a:ext>
+            </a:extLst>
+          </p:cNvPr>
+          <p:cNvSpPr>
+            <a:spLocks noGrp="1"/>
+          </p:cNvSpPr>
+          <p:nvPr>
+            <p:ph type="title"/>
+          </p:nvPr>
+        </p:nvSpPr>
+        <p:spPr/>
+        <p:txBody>
+          <a:bodyPr/>
+          <a:lstStyle/>
+          <a:p>
+            <a:r>
+              <a:rPr lang="en-US" dirty="0" err="1"/>
+              <a:t>Herausforderungen</a:t>
+            </a:r>
+            <a:br>
+              <a:rPr lang="en-US" dirty="0"/>
+            </a:br>
+            <a:endParaRPr lang="en-US" dirty="0"/>
+          </a:p>
+        </p:txBody>
+      </p:sp>
+      <p:sp>
+        <p:nvSpPr>
+          <p:cNvPr id="3" name="Text Placeholder 2">
+            <a:extLst>
+              <a:ext uri="{FF2B5EF4-FFF2-40B4-BE49-F238E27FC236}">
+                <a16:creationId xmlns:a16="http://schemas.microsoft.com/office/drawing/2014/main" id="{5DF59022-6921-4118-9C12-565B9E4BECB4}"/>
+              </a:ext>
+            </a:extLst>
+          </p:cNvPr>
+          <p:cNvSpPr>
+            <a:spLocks noGrp="1"/>
+          </p:cNvSpPr>
+          <p:nvPr>
+            <p:ph type="body" sz="quarter" idx="10"/>
+          </p:nvPr>
+        </p:nvSpPr>
+        <p:spPr/>
+        <p:txBody>
+          <a:bodyPr/>
+          <a:lstStyle/>
+          <a:p>
+            <a:r>
+              <a:rPr lang="de-DE" sz="1600" dirty="0">
+                <a:solidFill>
+                  <a:schemeClr val="tx1"/>
+                </a:solidFill>
+              </a:rPr>
+              <a:t>Empirische Unterrichtsforschung (oder Lehr-Lernforschung / Educational </a:t>
+            </a:r>
+            <a:r>
+              <a:rPr lang="de-DE" sz="1600" dirty="0" err="1">
+                <a:solidFill>
+                  <a:schemeClr val="tx1"/>
+                </a:solidFill>
+              </a:rPr>
+              <a:t>Psychology</a:t>
+            </a:r>
+            <a:r>
+              <a:rPr lang="de-DE" sz="1600" dirty="0">
+                <a:solidFill>
+                  <a:schemeClr val="tx1"/>
+                </a:solidFill>
+              </a:rPr>
+              <a:t>)</a:t>
+            </a:r>
+          </a:p>
+          <a:p>
+            <a:pPr lvl="1"/>
+            <a:r>
+              <a:rPr lang="de-DE" sz="1600" dirty="0">
+                <a:latin typeface="Arial" panose="020B0604020202020204" pitchFamily="34" charset="0"/>
+                <a:cs typeface="Arial" panose="020B0604020202020204" pitchFamily="34" charset="0"/>
+              </a:rPr>
+              <a:t>oft nur Korrelation statt Experiment</a:t>
+            </a:r>
+          </a:p>
+          <a:p>
+            <a:pPr lvl="1"/>
+            <a:r>
+              <a:rPr lang="de-DE" sz="1600" dirty="0">
+                <a:latin typeface="Arial" panose="020B0604020202020204" pitchFamily="34" charset="0"/>
+                <a:cs typeface="Arial" panose="020B0604020202020204" pitchFamily="34" charset="0"/>
+              </a:rPr>
+              <a:t>Ideal ist klar: strukturiert, vorbereitet, angepasst, an Lernziele orientiert, Zeit gut genutzt, keine Störungen, in eigenständige Lernprozesse hineinbringend</a:t>
+            </a:r>
+          </a:p>
+          <a:p>
+            <a:pPr lvl="1"/>
+            <a:r>
+              <a:rPr lang="de-DE" sz="1600" dirty="0">
+                <a:latin typeface="Arial" panose="020B0604020202020204" pitchFamily="34" charset="0"/>
+                <a:cs typeface="Arial" panose="020B0604020202020204" pitchFamily="34" charset="0"/>
+              </a:rPr>
+              <a:t>Ziel: Realisierung </a:t>
+            </a:r>
+          </a:p>
+          <a:p>
+            <a:r>
+              <a:rPr lang="de-DE" sz="1600" dirty="0">
+                <a:solidFill>
+                  <a:schemeClr val="tx1"/>
+                </a:solidFill>
+              </a:rPr>
+              <a:t>Fachdidaktik</a:t>
+            </a:r>
+          </a:p>
+          <a:p>
+            <a:pPr lvl="1"/>
+            <a:r>
+              <a:rPr lang="de-DE" sz="1600" dirty="0">
+                <a:latin typeface="Arial" panose="020B0604020202020204" pitchFamily="34" charset="0"/>
+                <a:cs typeface="Arial" panose="020B0604020202020204" pitchFamily="34" charset="0"/>
+              </a:rPr>
+              <a:t>E.g. Science </a:t>
+            </a:r>
+            <a:r>
+              <a:rPr lang="de-DE" sz="1600" dirty="0" err="1">
+                <a:latin typeface="Arial" panose="020B0604020202020204" pitchFamily="34" charset="0"/>
+                <a:cs typeface="Arial" panose="020B0604020202020204" pitchFamily="34" charset="0"/>
+              </a:rPr>
+              <a:t>education</a:t>
+            </a:r>
+            <a:endParaRPr lang="de-DE" sz="1600" dirty="0">
+              <a:latin typeface="Arial" panose="020B0604020202020204" pitchFamily="34" charset="0"/>
+              <a:cs typeface="Arial" panose="020B0604020202020204" pitchFamily="34" charset="0"/>
+            </a:endParaRPr>
+          </a:p>
+          <a:p>
+            <a:r>
+              <a:rPr lang="de-DE" sz="1600" dirty="0">
+                <a:solidFill>
+                  <a:schemeClr val="tx1"/>
+                </a:solidFill>
+              </a:rPr>
+              <a:t>Neurodidaktik </a:t>
+            </a:r>
+          </a:p>
+          <a:p>
+            <a:r>
+              <a:rPr lang="de-DE" sz="1600" dirty="0">
+                <a:solidFill>
+                  <a:schemeClr val="tx1"/>
+                </a:solidFill>
+              </a:rPr>
+              <a:t>Lernen im </a:t>
+            </a:r>
+            <a:r>
+              <a:rPr lang="de-DE" sz="1600" dirty="0">
+                <a:solidFill>
+                  <a:schemeClr val="tx1"/>
+                </a:solidFill>
+                <a:latin typeface="Arial" panose="020B0604020202020204" pitchFamily="34" charset="0"/>
+                <a:cs typeface="Arial" panose="020B0604020202020204" pitchFamily="34" charset="0"/>
+              </a:rPr>
+              <a:t>Alltag </a:t>
+            </a:r>
+            <a:endParaRPr lang="de-DE" sz="1600" dirty="0">
+              <a:solidFill>
+                <a:schemeClr val="tx1"/>
+              </a:solidFill>
+            </a:endParaRPr>
+          </a:p>
+          <a:p>
+            <a:pPr lvl="1"/>
+            <a:endParaRPr lang="en-US" sz="1600" dirty="0">
+              <a:latin typeface="Arial" panose="020B0604020202020204" pitchFamily="34" charset="0"/>
+              <a:cs typeface="Arial" panose="020B0604020202020204" pitchFamily="34" charset="0"/>
+            </a:endParaRPr>
+          </a:p>
+        </p:txBody>
+      </p:sp>
+    </p:spTree>
+    <p:extLst>
+      <p:ext uri="{BB962C8B-B14F-4D97-AF65-F5344CB8AC3E}">
+        <p14:creationId xmlns:p14="http://schemas.microsoft.com/office/powerpoint/2010/main" val="2389329266"/>
+      </p:ext>
+    </p:extLst>
+  </p:cSld>
+  <p:clrMapOvr>
+    <a:masterClrMapping/>
+  </p:clrMapOvr>
+</p:sld>
+</file>
+
+<file path=ppt/slides/slide12.xml><?xml version="1.0" encoding="utf-8"?>
+<p:sld xmlns:a="http://schemas.openxmlformats.org/drawingml/2006/main" xmlns:r="http://schemas.openxmlformats.org/officeDocument/2006/relationships" xmlns:p="http://schemas.openxmlformats.org/presentationml/2006/main">
+  <p:cSld>
+    <p:spTree>
+      <p:nvGrpSpPr>
+        <p:cNvPr id="1" name=""/>
+        <p:cNvGrpSpPr/>
+        <p:nvPr/>
+      </p:nvGrpSpPr>
+      <p:grpSpPr>
+        <a:xfrm>
+          <a:off x="0" y="0"/>
+          <a:ext cx="0" cy="0"/>
+          <a:chOff x="0" y="0"/>
+          <a:chExt cx="0" cy="0"/>
+        </a:xfrm>
+      </p:grpSpPr>
+      <p:sp>
+        <p:nvSpPr>
+          <p:cNvPr id="2" name="Title 1">
+            <a:extLst>
+              <a:ext uri="{FF2B5EF4-FFF2-40B4-BE49-F238E27FC236}">
+                <a16:creationId xmlns:a16="http://schemas.microsoft.com/office/drawing/2014/main" id="{DA1188AE-B668-4AFF-96BE-853DCCB85C72}"/>
+              </a:ext>
+            </a:extLst>
+          </p:cNvPr>
+          <p:cNvSpPr>
+            <a:spLocks noGrp="1"/>
+          </p:cNvSpPr>
+          <p:nvPr>
+            <p:ph type="title"/>
+          </p:nvPr>
+        </p:nvSpPr>
+        <p:spPr/>
+        <p:txBody>
+          <a:bodyPr/>
+          <a:lstStyle/>
+          <a:p>
+            <a:r>
+              <a:rPr lang="de-DE" dirty="0"/>
+              <a:t>Empirische Unterrichtsforschung </a:t>
+            </a:r>
+            <a:br>
+              <a:rPr lang="de-DE" dirty="0"/>
+            </a:br>
+            <a:endParaRPr lang="de-DE" dirty="0"/>
+          </a:p>
+        </p:txBody>
+      </p:sp>
+      <p:sp>
+        <p:nvSpPr>
+          <p:cNvPr id="3" name="Text Placeholder 2">
+            <a:extLst>
+              <a:ext uri="{FF2B5EF4-FFF2-40B4-BE49-F238E27FC236}">
+                <a16:creationId xmlns:a16="http://schemas.microsoft.com/office/drawing/2014/main" id="{8A3EDD97-4A0C-40A1-82BC-4F8B13BB42C8}"/>
+              </a:ext>
+            </a:extLst>
+          </p:cNvPr>
+          <p:cNvSpPr>
+            <a:spLocks noGrp="1"/>
+          </p:cNvSpPr>
+          <p:nvPr>
+            <p:ph type="body" sz="quarter" idx="10"/>
+          </p:nvPr>
+        </p:nvSpPr>
+        <p:spPr/>
+        <p:txBody>
+          <a:bodyPr/>
+          <a:lstStyle/>
+          <a:p>
+            <a:r>
+              <a:rPr lang="de-DE" sz="1600" dirty="0"/>
+              <a:t>Lehr-Lern </a:t>
+            </a:r>
+            <a:r>
+              <a:rPr lang="de-DE" sz="1600" dirty="0" err="1"/>
+              <a:t>vs</a:t>
+            </a:r>
+            <a:r>
+              <a:rPr lang="de-DE" sz="1600" dirty="0"/>
+              <a:t> Interaktions- und Sozialisationsaspekt</a:t>
+            </a:r>
+          </a:p>
+          <a:p>
+            <a:r>
+              <a:rPr lang="de-DE" sz="1600" dirty="0"/>
+              <a:t>Angebot-Nutzungs-Modell (Mitverantwortung)</a:t>
+            </a:r>
+          </a:p>
+          <a:p>
+            <a:r>
+              <a:rPr lang="de-DE" sz="1600" dirty="0"/>
+              <a:t>Fachdidaktisch</a:t>
+            </a:r>
+          </a:p>
+          <a:p>
+            <a:r>
+              <a:rPr lang="de-DE" sz="1600" dirty="0"/>
+              <a:t>Keine </a:t>
+            </a:r>
+            <a:r>
+              <a:rPr lang="de-DE" sz="1600" i="1" dirty="0"/>
+              <a:t>eine </a:t>
+            </a:r>
+            <a:r>
+              <a:rPr lang="de-DE" sz="1600" i="1" dirty="0" err="1"/>
+              <a:t>ware</a:t>
+            </a:r>
+            <a:r>
+              <a:rPr lang="de-DE" sz="1600" i="1" dirty="0"/>
+              <a:t> Methode</a:t>
+            </a:r>
+          </a:p>
+          <a:p>
+            <a:r>
+              <a:rPr lang="de-DE" sz="1600" dirty="0" err="1"/>
+              <a:t>Lehrereffektivitaet</a:t>
+            </a:r>
+            <a:r>
+              <a:rPr lang="de-DE" sz="1600" dirty="0"/>
+              <a:t> weniger wichtig als gedacht (cf. Vorwissen)</a:t>
+            </a:r>
+          </a:p>
+          <a:p>
+            <a:r>
+              <a:rPr lang="de-DE" sz="1600" dirty="0" err="1"/>
+              <a:t>Engfuehrung</a:t>
+            </a:r>
+            <a:r>
+              <a:rPr lang="de-DE" sz="1600" dirty="0"/>
+              <a:t> in der Bildungsforschung</a:t>
+            </a:r>
+          </a:p>
+          <a:p>
+            <a:r>
+              <a:rPr lang="de-DE" sz="1600" dirty="0"/>
+              <a:t>Zwei fremde Schwester</a:t>
+            </a:r>
+          </a:p>
+          <a:p>
+            <a:pPr lvl="1"/>
+            <a:r>
+              <a:rPr lang="de-DE" sz="1600" dirty="0"/>
+              <a:t>Wissenschaft bestimmt praktische Arbeit nur ganz wenig </a:t>
+            </a:r>
+          </a:p>
+          <a:p>
+            <a:pPr lvl="1"/>
+            <a:r>
+              <a:rPr lang="de-DE" sz="1600" dirty="0"/>
+              <a:t>Institutionsblindheit</a:t>
+            </a:r>
+          </a:p>
+          <a:p>
+            <a:endParaRPr lang="de-DE" sz="1800" dirty="0"/>
+          </a:p>
+        </p:txBody>
+      </p:sp>
+    </p:spTree>
+    <p:extLst>
+      <p:ext uri="{BB962C8B-B14F-4D97-AF65-F5344CB8AC3E}">
+        <p14:creationId xmlns:p14="http://schemas.microsoft.com/office/powerpoint/2010/main" val="4170653433"/>
+      </p:ext>
+    </p:extLst>
+  </p:cSld>
+  <p:clrMapOvr>
+    <a:masterClrMapping/>
+  </p:clrMapOvr>
+</p:sld>
+</file>
+
+<file path=ppt/slides/slide13.xml><?xml version="1.0" encoding="utf-8"?>
+<p:sld xmlns:a="http://schemas.openxmlformats.org/drawingml/2006/main" xmlns:r="http://schemas.openxmlformats.org/officeDocument/2006/relationships" xmlns:p="http://schemas.openxmlformats.org/presentationml/2006/main">
+  <p:cSld>
+    <p:spTree>
+      <p:nvGrpSpPr>
+        <p:cNvPr id="1" name=""/>
+        <p:cNvGrpSpPr/>
+        <p:nvPr/>
+      </p:nvGrpSpPr>
+      <p:grpSpPr>
+        <a:xfrm>
+          <a:off x="0" y="0"/>
+          <a:ext cx="0" cy="0"/>
+          <a:chOff x="0" y="0"/>
+          <a:chExt cx="0" cy="0"/>
+        </a:xfrm>
+      </p:grpSpPr>
+      <p:sp>
+        <p:nvSpPr>
+          <p:cNvPr id="2" name="Title 1">
+            <a:extLst>
+              <a:ext uri="{FF2B5EF4-FFF2-40B4-BE49-F238E27FC236}">
+                <a16:creationId xmlns:a16="http://schemas.microsoft.com/office/drawing/2014/main" id="{193A0400-9C5C-49D9-9461-90B53056715E}"/>
+              </a:ext>
+            </a:extLst>
+          </p:cNvPr>
+          <p:cNvSpPr>
+            <a:spLocks noGrp="1"/>
+          </p:cNvSpPr>
+          <p:nvPr>
+            <p:ph type="title"/>
+          </p:nvPr>
+        </p:nvSpPr>
+        <p:spPr/>
+        <p:txBody>
+          <a:bodyPr/>
+          <a:lstStyle/>
+          <a:p>
+            <a:r>
+              <a:rPr lang="de-DE" dirty="0"/>
+              <a:t>Einführungen</a:t>
+            </a:r>
+            <a:r>
+              <a:rPr lang="en-US" dirty="0"/>
+              <a:t> </a:t>
+            </a:r>
+          </a:p>
+        </p:txBody>
+      </p:sp>
+      <p:sp>
+        <p:nvSpPr>
+          <p:cNvPr id="3" name="Text Placeholder 2">
+            <a:extLst>
+              <a:ext uri="{FF2B5EF4-FFF2-40B4-BE49-F238E27FC236}">
+                <a16:creationId xmlns:a16="http://schemas.microsoft.com/office/drawing/2014/main" id="{03B32A4B-AF1E-4C17-84F9-3517BFA909DA}"/>
+              </a:ext>
+            </a:extLst>
+          </p:cNvPr>
+          <p:cNvSpPr>
+            <a:spLocks noGrp="1"/>
+          </p:cNvSpPr>
+          <p:nvPr>
+            <p:ph type="body" sz="quarter" idx="10"/>
+          </p:nvPr>
+        </p:nvSpPr>
+        <p:spPr/>
+        <p:txBody>
+          <a:bodyPr/>
+          <a:lstStyle/>
+          <a:p>
+            <a:r>
+              <a:rPr lang="de-DE" sz="1800" dirty="0" err="1"/>
+              <a:t>Terhart</a:t>
+            </a:r>
+            <a:r>
+              <a:rPr lang="de-DE" sz="1800" dirty="0"/>
+              <a:t>, E. (2019). Didaktik: Eine Einführung. Reclam.</a:t>
+            </a:r>
+          </a:p>
+          <a:p>
+            <a:r>
+              <a:rPr lang="de-DE" sz="1800" dirty="0" err="1"/>
+              <a:t>Coriand</a:t>
+            </a:r>
+            <a:r>
+              <a:rPr lang="de-DE" sz="1800" dirty="0"/>
+              <a:t>, R. (2017). Allgemeine Didaktik. https://content-select.com/de/portal/media/view/5a8d4d12-b300-4208-84f2-2dc4b0dd2d03</a:t>
+            </a:r>
+          </a:p>
+          <a:p>
+            <a:r>
+              <a:rPr lang="de-DE" sz="1800" dirty="0"/>
+              <a:t>Seel, B. M., Hanke, U. (2015). Erziehungswissenschaft. Lehrbuch für Bachelor-, Master- und Lehramtsstudierende. Springer. </a:t>
+            </a:r>
+            <a:endParaRPr lang="en-US" sz="1800" dirty="0"/>
+          </a:p>
+        </p:txBody>
+      </p:sp>
+    </p:spTree>
+    <p:extLst>
+      <p:ext uri="{BB962C8B-B14F-4D97-AF65-F5344CB8AC3E}">
+        <p14:creationId xmlns:p14="http://schemas.microsoft.com/office/powerpoint/2010/main" val="39849712"/>
+      </p:ext>
+    </p:extLst>
+  </p:cSld>
+  <p:clrMapOvr>
+    <a:masterClrMapping/>
+  </p:clrMapOvr>
+</p:sld>
+</file>
+
+<file path=ppt/slides/slide14.xml><?xml version="1.0" encoding="utf-8"?>
+<p:sld xmlns:a="http://schemas.openxmlformats.org/drawingml/2006/main" xmlns:r="http://schemas.openxmlformats.org/officeDocument/2006/relationships" xmlns:p="http://schemas.openxmlformats.org/presentationml/2006/main">
+  <p:cSld>
+    <p:spTree>
+      <p:nvGrpSpPr>
+        <p:cNvPr id="1" name=""/>
+        <p:cNvGrpSpPr/>
+        <p:nvPr/>
+      </p:nvGrpSpPr>
+      <p:grpSpPr>
+        <a:xfrm>
+          <a:off x="0" y="0"/>
+          <a:ext cx="0" cy="0"/>
+          <a:chOff x="0" y="0"/>
+          <a:chExt cx="0" cy="0"/>
+        </a:xfrm>
+      </p:grpSpPr>
+      <p:sp>
+        <p:nvSpPr>
+          <p:cNvPr id="2" name="Title 1">
+            <a:extLst>
+              <a:ext uri="{FF2B5EF4-FFF2-40B4-BE49-F238E27FC236}">
                 <a16:creationId xmlns:a16="http://schemas.microsoft.com/office/drawing/2014/main" id="{FC29CFB6-6A93-44A8-AF99-D4AA912DF272}"/>
               </a:ext>
             </a:extLst>
@@ -3416,7 +4231,7 @@
 </p:sld>
 </file>
 
-<file path=ppt/slides/slide11.xml><?xml version="1.0" encoding="utf-8"?>
+<file path=ppt/slides/slide15.xml><?xml version="1.0" encoding="utf-8"?>
 <p:sld xmlns:a="http://schemas.openxmlformats.org/drawingml/2006/main" xmlns:r="http://schemas.openxmlformats.org/officeDocument/2006/relationships" xmlns:p="http://schemas.openxmlformats.org/presentationml/2006/main">
   <p:cSld>
     <p:spTree>
@@ -4339,360 +5154,7 @@
 </p:sld>
 </file>
 
-<file path=ppt/slides/slide12.xml><?xml version="1.0" encoding="utf-8"?>
-<p:sld xmlns:a="http://schemas.openxmlformats.org/drawingml/2006/main" xmlns:r="http://schemas.openxmlformats.org/officeDocument/2006/relationships" xmlns:p="http://schemas.openxmlformats.org/presentationml/2006/main">
-  <p:cSld>
-    <p:spTree>
-      <p:nvGrpSpPr>
-        <p:cNvPr id="1" name=""/>
-        <p:cNvGrpSpPr/>
-        <p:nvPr/>
-      </p:nvGrpSpPr>
-      <p:grpSpPr>
-        <a:xfrm>
-          <a:off x="0" y="0"/>
-          <a:ext cx="0" cy="0"/>
-          <a:chOff x="0" y="0"/>
-          <a:chExt cx="0" cy="0"/>
-        </a:xfrm>
-      </p:grpSpPr>
-      <p:sp>
-        <p:nvSpPr>
-          <p:cNvPr id="2" name="Title 1">
-            <a:extLst>
-              <a:ext uri="{FF2B5EF4-FFF2-40B4-BE49-F238E27FC236}">
-                <a16:creationId xmlns:a16="http://schemas.microsoft.com/office/drawing/2014/main" id="{17F0A889-FFCA-48B9-BA00-A6243B448291}"/>
-              </a:ext>
-            </a:extLst>
-          </p:cNvPr>
-          <p:cNvSpPr>
-            <a:spLocks noGrp="1"/>
-          </p:cNvSpPr>
-          <p:nvPr>
-            <p:ph type="title"/>
-          </p:nvPr>
-        </p:nvSpPr>
-        <p:spPr/>
-        <p:txBody>
-          <a:bodyPr/>
-          <a:lstStyle/>
-          <a:p>
-            <a:r>
-              <a:rPr lang="de-DE" dirty="0"/>
-              <a:t>Inhalte der Veranstaltung (Modulhandbuch)</a:t>
-            </a:r>
-            <a:endParaRPr lang="en-US" dirty="0"/>
-          </a:p>
-        </p:txBody>
-      </p:sp>
-      <p:sp>
-        <p:nvSpPr>
-          <p:cNvPr id="3" name="Text Placeholder 2">
-            <a:extLst>
-              <a:ext uri="{FF2B5EF4-FFF2-40B4-BE49-F238E27FC236}">
-                <a16:creationId xmlns:a16="http://schemas.microsoft.com/office/drawing/2014/main" id="{95DC3179-E5AA-448B-868C-B3BA1F529EE5}"/>
-              </a:ext>
-            </a:extLst>
-          </p:cNvPr>
-          <p:cNvSpPr>
-            <a:spLocks noGrp="1"/>
-          </p:cNvSpPr>
-          <p:nvPr>
-            <p:ph type="body" sz="quarter" idx="10"/>
-          </p:nvPr>
-        </p:nvSpPr>
-        <p:spPr/>
-        <p:txBody>
-          <a:bodyPr/>
-          <a:lstStyle/>
-          <a:p>
-            <a:pPr>
-              <a:buFont typeface="Arial" panose="020B0604020202020204" pitchFamily="34" charset="0"/>
-              <a:buChar char="•"/>
-            </a:pPr>
-            <a:r>
-              <a:rPr lang="de-DE" sz="1600" dirty="0"/>
-              <a:t>Grundfragen der Allgemeinen Didaktik </a:t>
-            </a:r>
-          </a:p>
-          <a:p>
-            <a:pPr marL="742950" lvl="1" indent="-285750">
-              <a:buFont typeface="Arial" panose="020B0604020202020204" pitchFamily="34" charset="0"/>
-              <a:buChar char="•"/>
-            </a:pPr>
-            <a:r>
-              <a:rPr lang="de-DE" sz="1600" dirty="0">
-                <a:latin typeface="Arial" panose="020B0604020202020204" pitchFamily="34" charset="0"/>
-                <a:cs typeface="Arial" panose="020B0604020202020204" pitchFamily="34" charset="0"/>
-              </a:rPr>
-              <a:t>Begriffe des Lehrens und Lernens</a:t>
-            </a:r>
-          </a:p>
-          <a:p>
-            <a:pPr marL="742950" lvl="1" indent="-285750">
-              <a:buFont typeface="Arial" panose="020B0604020202020204" pitchFamily="34" charset="0"/>
-              <a:buChar char="•"/>
-            </a:pPr>
-            <a:r>
-              <a:rPr lang="de-DE" sz="1600" dirty="0">
-                <a:latin typeface="Arial" panose="020B0604020202020204" pitchFamily="34" charset="0"/>
-                <a:cs typeface="Arial" panose="020B0604020202020204" pitchFamily="34" charset="0"/>
-              </a:rPr>
-              <a:t>Adressatenbezug</a:t>
-            </a:r>
-          </a:p>
-          <a:p>
-            <a:pPr marL="742950" lvl="1" indent="-285750">
-              <a:buFont typeface="Arial" panose="020B0604020202020204" pitchFamily="34" charset="0"/>
-              <a:buChar char="•"/>
-            </a:pPr>
-            <a:r>
-              <a:rPr lang="de-DE" sz="1600" dirty="0">
-                <a:latin typeface="Arial" panose="020B0604020202020204" pitchFamily="34" charset="0"/>
-                <a:cs typeface="Arial" panose="020B0604020202020204" pitchFamily="34" charset="0"/>
-              </a:rPr>
-              <a:t>Struktur des zu vermittelnden Gegenstandes</a:t>
-            </a:r>
-          </a:p>
-          <a:p>
-            <a:pPr marL="742950" lvl="1" indent="-285750">
-              <a:buFont typeface="Arial" panose="020B0604020202020204" pitchFamily="34" charset="0"/>
-              <a:buChar char="•"/>
-            </a:pPr>
-            <a:r>
-              <a:rPr lang="de-DE" sz="1600" dirty="0">
-                <a:latin typeface="Arial" panose="020B0604020202020204" pitchFamily="34" charset="0"/>
-                <a:cs typeface="Arial" panose="020B0604020202020204" pitchFamily="34" charset="0"/>
-              </a:rPr>
-              <a:t>Lernziele und ihre Überprüfung</a:t>
-            </a:r>
-          </a:p>
-          <a:p>
-            <a:pPr marL="742950" lvl="1" indent="-285750">
-              <a:buFont typeface="Arial" panose="020B0604020202020204" pitchFamily="34" charset="0"/>
-              <a:buChar char="•"/>
-            </a:pPr>
-            <a:r>
-              <a:rPr lang="de-DE" sz="1600" dirty="0">
-                <a:latin typeface="Arial" panose="020B0604020202020204" pitchFamily="34" charset="0"/>
-                <a:cs typeface="Arial" panose="020B0604020202020204" pitchFamily="34" charset="0"/>
-              </a:rPr>
-              <a:t>Methodik</a:t>
-            </a:r>
-          </a:p>
-          <a:p>
-            <a:pPr marL="742950" lvl="1" indent="-285750">
-              <a:buFont typeface="Arial" panose="020B0604020202020204" pitchFamily="34" charset="0"/>
-              <a:buChar char="•"/>
-            </a:pPr>
-            <a:r>
-              <a:rPr lang="de-DE" sz="1600" dirty="0">
-                <a:latin typeface="Arial" panose="020B0604020202020204" pitchFamily="34" charset="0"/>
-                <a:cs typeface="Arial" panose="020B0604020202020204" pitchFamily="34" charset="0"/>
-              </a:rPr>
-              <a:t>Sequenzierung von Lerninhalten</a:t>
-            </a:r>
-          </a:p>
-          <a:p>
-            <a:pPr>
-              <a:buFont typeface="Arial" panose="020B0604020202020204" pitchFamily="34" charset="0"/>
-              <a:buChar char="•"/>
-            </a:pPr>
-            <a:r>
-              <a:rPr lang="de-DE" sz="1600" dirty="0"/>
-              <a:t>Grundlegende Methoden der Vermittlung </a:t>
-            </a:r>
-          </a:p>
-          <a:p>
-            <a:pPr marL="742950" lvl="1" indent="-285750">
-              <a:buFont typeface="Arial" panose="020B0604020202020204" pitchFamily="34" charset="0"/>
-              <a:buChar char="•"/>
-            </a:pPr>
-            <a:r>
-              <a:rPr lang="de-DE" sz="1600" dirty="0">
-                <a:latin typeface="Arial" panose="020B0604020202020204" pitchFamily="34" charset="0"/>
-                <a:cs typeface="Arial" panose="020B0604020202020204" pitchFamily="34" charset="0"/>
-              </a:rPr>
-              <a:t>Moderation</a:t>
-            </a:r>
-          </a:p>
-          <a:p>
-            <a:pPr marL="742950" lvl="1" indent="-285750">
-              <a:buFont typeface="Arial" panose="020B0604020202020204" pitchFamily="34" charset="0"/>
-              <a:buChar char="•"/>
-            </a:pPr>
-            <a:r>
-              <a:rPr lang="de-DE" sz="1600" dirty="0">
-                <a:latin typeface="Arial" panose="020B0604020202020204" pitchFamily="34" charset="0"/>
-                <a:cs typeface="Arial" panose="020B0604020202020204" pitchFamily="34" charset="0"/>
-              </a:rPr>
-              <a:t>Präsentation</a:t>
-            </a:r>
-          </a:p>
-          <a:p>
-            <a:endParaRPr lang="en-US" sz="1600" dirty="0"/>
-          </a:p>
-        </p:txBody>
-      </p:sp>
-    </p:spTree>
-    <p:extLst>
-      <p:ext uri="{BB962C8B-B14F-4D97-AF65-F5344CB8AC3E}">
-        <p14:creationId xmlns:p14="http://schemas.microsoft.com/office/powerpoint/2010/main" val="2494506631"/>
-      </p:ext>
-    </p:extLst>
-  </p:cSld>
-  <p:clrMapOvr>
-    <a:masterClrMapping/>
-  </p:clrMapOvr>
-</p:sld>
-</file>
-
-<file path=ppt/slides/slide13.xml><?xml version="1.0" encoding="utf-8"?>
-<p:sld xmlns:a="http://schemas.openxmlformats.org/drawingml/2006/main" xmlns:r="http://schemas.openxmlformats.org/officeDocument/2006/relationships" xmlns:p="http://schemas.openxmlformats.org/presentationml/2006/main">
-  <p:cSld>
-    <p:spTree>
-      <p:nvGrpSpPr>
-        <p:cNvPr id="1" name=""/>
-        <p:cNvGrpSpPr/>
-        <p:nvPr/>
-      </p:nvGrpSpPr>
-      <p:grpSpPr>
-        <a:xfrm>
-          <a:off x="0" y="0"/>
-          <a:ext cx="0" cy="0"/>
-          <a:chOff x="0" y="0"/>
-          <a:chExt cx="0" cy="0"/>
-        </a:xfrm>
-      </p:grpSpPr>
-      <p:sp>
-        <p:nvSpPr>
-          <p:cNvPr id="2" name="Title 1">
-            <a:extLst>
-              <a:ext uri="{FF2B5EF4-FFF2-40B4-BE49-F238E27FC236}">
-                <a16:creationId xmlns:a16="http://schemas.microsoft.com/office/drawing/2014/main" id="{17F0A889-FFCA-48B9-BA00-A6243B448291}"/>
-              </a:ext>
-            </a:extLst>
-          </p:cNvPr>
-          <p:cNvSpPr>
-            <a:spLocks noGrp="1"/>
-          </p:cNvSpPr>
-          <p:nvPr>
-            <p:ph type="title"/>
-          </p:nvPr>
-        </p:nvSpPr>
-        <p:spPr/>
-        <p:txBody>
-          <a:bodyPr/>
-          <a:lstStyle/>
-          <a:p>
-            <a:r>
-              <a:rPr lang="de-DE" dirty="0"/>
-              <a:t>Ziele der Veranstaltung (Modulhandbuch)</a:t>
-            </a:r>
-            <a:endParaRPr lang="en-US" dirty="0"/>
-          </a:p>
-        </p:txBody>
-      </p:sp>
-      <p:sp>
-        <p:nvSpPr>
-          <p:cNvPr id="3" name="Text Placeholder 2">
-            <a:extLst>
-              <a:ext uri="{FF2B5EF4-FFF2-40B4-BE49-F238E27FC236}">
-                <a16:creationId xmlns:a16="http://schemas.microsoft.com/office/drawing/2014/main" id="{95DC3179-E5AA-448B-868C-B3BA1F529EE5}"/>
-              </a:ext>
-            </a:extLst>
-          </p:cNvPr>
-          <p:cNvSpPr>
-            <a:spLocks noGrp="1"/>
-          </p:cNvSpPr>
-          <p:nvPr>
-            <p:ph type="body" sz="quarter" idx="10"/>
-          </p:nvPr>
-        </p:nvSpPr>
-        <p:spPr/>
-        <p:txBody>
-          <a:bodyPr/>
-          <a:lstStyle/>
-          <a:p>
-            <a:pPr>
-              <a:buFont typeface="Arial" panose="020B0604020202020204" pitchFamily="34" charset="0"/>
-              <a:buChar char="•"/>
-            </a:pPr>
-            <a:r>
-              <a:rPr lang="de-DE" sz="1600" dirty="0"/>
-              <a:t>Die Studierenden erwerben grundlegende didaktische Kompetenzen im Sinn der </a:t>
-            </a:r>
-          </a:p>
-          <a:p>
-            <a:pPr marL="742950" lvl="1" indent="-285750">
-              <a:buFont typeface="Arial" panose="020B0604020202020204" pitchFamily="34" charset="0"/>
-              <a:buChar char="•"/>
-            </a:pPr>
-            <a:r>
-              <a:rPr lang="de-DE" sz="1600" dirty="0">
-                <a:latin typeface="Arial" panose="020B0604020202020204" pitchFamily="34" charset="0"/>
-                <a:cs typeface="Arial" panose="020B0604020202020204" pitchFamily="34" charset="0"/>
-              </a:rPr>
-              <a:t>Fähigkeit zur Analyse von Lernsituationen</a:t>
-            </a:r>
-          </a:p>
-          <a:p>
-            <a:pPr marL="742950" lvl="1" indent="-285750">
-              <a:buFont typeface="Arial" panose="020B0604020202020204" pitchFamily="34" charset="0"/>
-              <a:buChar char="•"/>
-            </a:pPr>
-            <a:r>
-              <a:rPr lang="de-DE" sz="1600" dirty="0">
-                <a:latin typeface="Arial" panose="020B0604020202020204" pitchFamily="34" charset="0"/>
-                <a:cs typeface="Arial" panose="020B0604020202020204" pitchFamily="34" charset="0"/>
-              </a:rPr>
-              <a:t>der Anwendung von didaktischen Modellen</a:t>
-            </a:r>
-          </a:p>
-          <a:p>
-            <a:pPr marL="742950" lvl="1" indent="-285750">
-              <a:buFont typeface="Arial" panose="020B0604020202020204" pitchFamily="34" charset="0"/>
-              <a:buChar char="•"/>
-            </a:pPr>
-            <a:r>
-              <a:rPr lang="de-DE" sz="1600" dirty="0">
-                <a:latin typeface="Arial" panose="020B0604020202020204" pitchFamily="34" charset="0"/>
-                <a:cs typeface="Arial" panose="020B0604020202020204" pitchFamily="34" charset="0"/>
-              </a:rPr>
-              <a:t>der Gestaltung von didaktischen Arrangements</a:t>
-            </a:r>
-          </a:p>
-          <a:p>
-            <a:pPr>
-              <a:buFont typeface="Arial" panose="020B0604020202020204" pitchFamily="34" charset="0"/>
-              <a:buChar char="•"/>
-            </a:pPr>
-            <a:r>
-              <a:rPr lang="de-DE" sz="1600" dirty="0"/>
-              <a:t>Die Studierenden können diesen Arrangements die passenden Vermittlungsmethoden zuordnen und umsetzen.</a:t>
-            </a:r>
-          </a:p>
-          <a:p>
-            <a:endParaRPr lang="en-US" sz="1800" dirty="0">
-              <a:latin typeface="+mj-lt"/>
-            </a:endParaRPr>
-          </a:p>
-        </p:txBody>
-      </p:sp>
-    </p:spTree>
-    <p:extLst>
-      <p:ext uri="{BB962C8B-B14F-4D97-AF65-F5344CB8AC3E}">
-        <p14:creationId xmlns:p14="http://schemas.microsoft.com/office/powerpoint/2010/main" val="969239147"/>
-      </p:ext>
-    </p:extLst>
-  </p:cSld>
-  <p:clrMapOvr>
-    <a:masterClrMapping/>
-  </p:clrMapOvr>
-</p:sld>
-</file>
-
-<file path=ppt/slides/slide14.xml><?xml version="1.0" encoding="utf-8"?>
+<file path=ppt/slides/slide16.xml><?xml version="1.0" encoding="utf-8"?>
 <p:sld xmlns:a="http://schemas.openxmlformats.org/drawingml/2006/main" xmlns:r="http://schemas.openxmlformats.org/officeDocument/2006/relationships" xmlns:p="http://schemas.openxmlformats.org/presentationml/2006/main">
   <p:cSld>
     <p:spTree>
@@ -4794,7 +5256,7 @@
 </p:sld>
 </file>
 
-<file path=ppt/slides/slide15.xml><?xml version="1.0" encoding="utf-8"?>
+<file path=ppt/slides/slide17.xml><?xml version="1.0" encoding="utf-8"?>
 <p:sld xmlns:a="http://schemas.openxmlformats.org/drawingml/2006/main" xmlns:r="http://schemas.openxmlformats.org/officeDocument/2006/relationships" xmlns:p="http://schemas.openxmlformats.org/presentationml/2006/main">
   <p:cSld>
     <p:spTree>
@@ -4816,7 +5278,7 @@
           <p:cNvPr id="2" name="Title 1">
             <a:extLst>
               <a:ext uri="{FF2B5EF4-FFF2-40B4-BE49-F238E27FC236}">
-                <a16:creationId xmlns:a16="http://schemas.microsoft.com/office/drawing/2014/main" id="{1BE5A66C-7453-4629-A430-0CB2263B3E8B}"/>
+                <a16:creationId xmlns:a16="http://schemas.microsoft.com/office/drawing/2014/main" id="{4E07FA4F-1AC4-47E7-8D9D-816345601E16}"/>
               </a:ext>
             </a:extLst>
           </p:cNvPr>
@@ -4833,8 +5295,8 @@
           <a:lstStyle/>
           <a:p>
             <a:r>
-              <a:rPr lang="en-US" dirty="0"/>
-              <a:t>Pause-Aufgabe</a:t>
+              <a:rPr lang="de-DE" dirty="0"/>
+              <a:t>Portfolio</a:t>
             </a:r>
           </a:p>
         </p:txBody>
@@ -4844,7 +5306,7 @@
           <p:cNvPr id="3" name="Text Placeholder 2">
             <a:extLst>
               <a:ext uri="{FF2B5EF4-FFF2-40B4-BE49-F238E27FC236}">
-                <a16:creationId xmlns:a16="http://schemas.microsoft.com/office/drawing/2014/main" id="{FAE2C1EB-BC72-4C66-87E9-036814A9F75C}"/>
+                <a16:creationId xmlns:a16="http://schemas.microsoft.com/office/drawing/2014/main" id="{B6F4A794-56F2-4B30-A070-582E5882B6A1}"/>
               </a:ext>
             </a:extLst>
           </p:cNvPr>
@@ -4860,72 +5322,55 @@
           <a:bodyPr/>
           <a:lstStyle/>
           <a:p>
-            <a:pPr>
-              <a:buFont typeface="+mj-lt"/>
-              <a:buAutoNum type="arabicPeriod"/>
-            </a:pPr>
-            <a:r>
-              <a:rPr lang="de-DE" sz="1600" dirty="0"/>
-              <a:t>Stellen Sie sich folgende Frage (15 min): </a:t>
-            </a:r>
-          </a:p>
-          <a:p>
-            <a:pPr lvl="1"/>
-            <a:r>
-              <a:rPr lang="de-DE" sz="1400" dirty="0"/>
-              <a:t>Wann haben Sie in Ihrem Leben etwas nachhaltig gelernt und was war das? Was haben Sie dabei gelernt? In welcher Situation? Warum glauben Sie, dass Sie das behalten haben? Was hat dazu beigetragen? </a:t>
-            </a:r>
-          </a:p>
-          <a:p>
-            <a:pPr lvl="1"/>
-            <a:r>
-              <a:rPr lang="de-DE" sz="1400" dirty="0"/>
-              <a:t>Nehmen Sie sich ein bisschen Zeit und schreiben Sie bitte in drei oder vier Sätzen auf, was ein nachhaltiges Lernerlebnis für Sie war. </a:t>
-            </a:r>
-          </a:p>
-          <a:p>
-            <a:pPr>
-              <a:buFont typeface="+mj-lt"/>
-              <a:buAutoNum type="arabicPeriod"/>
-            </a:pPr>
-            <a:r>
-              <a:rPr lang="de-DE" sz="1600" dirty="0"/>
-              <a:t>Tauschen Sie sich mit ihre virtuellen Nachbarn aus. </a:t>
-            </a:r>
-          </a:p>
-          <a:p>
-            <a:pPr>
-              <a:buFont typeface="+mj-lt"/>
-              <a:buAutoNum type="arabicPeriod"/>
-            </a:pPr>
-            <a:r>
-              <a:rPr lang="de-DE" sz="1600" dirty="0"/>
-              <a:t>Tauschen Sie sich in eine kleine Gruppe aus. </a:t>
-            </a:r>
-          </a:p>
-          <a:p>
-            <a:pPr>
-              <a:buFont typeface="+mj-lt"/>
-              <a:buAutoNum type="arabicPeriod"/>
-            </a:pPr>
-            <a:r>
-              <a:rPr lang="de-DE" sz="1600" dirty="0"/>
-              <a:t>Lassen sich Ähnlichkeiten erkennen, die bei mehreren Erzählungen auftauchen?</a:t>
-            </a:r>
-          </a:p>
-          <a:p>
-            <a:pPr>
-              <a:buFont typeface="+mj-lt"/>
-              <a:buAutoNum type="arabicPeriod"/>
-            </a:pPr>
-            <a:endParaRPr lang="en-US" sz="1600" dirty="0"/>
+            <a:r>
+              <a:rPr lang="de-DE" dirty="0"/>
+              <a:t>Begriffe nachschlagen (</a:t>
+            </a:r>
+            <a:r>
+              <a:rPr lang="de-DE" dirty="0" err="1"/>
+              <a:t>zB</a:t>
+            </a:r>
+            <a:r>
+              <a:rPr lang="de-DE" dirty="0"/>
+              <a:t> Falsifikationsprinzip)</a:t>
+            </a:r>
+          </a:p>
+          <a:p>
+            <a:r>
+              <a:rPr lang="de-DE" dirty="0"/>
+              <a:t>Fragen im Forum stellen</a:t>
+            </a:r>
+          </a:p>
+          <a:p>
+            <a:r>
+              <a:rPr lang="de-DE" dirty="0"/>
+              <a:t>Hinweise sind hilfreich</a:t>
+            </a:r>
+          </a:p>
+          <a:p>
+            <a:r>
+              <a:rPr lang="de-DE" dirty="0"/>
+              <a:t>„Forschungsfrage“ einleiten und diskutieren</a:t>
+            </a:r>
+          </a:p>
+          <a:p>
+            <a:r>
+              <a:rPr lang="de-DE" dirty="0"/>
+              <a:t>kurze Textabschnitte (+/- 3/4 Seite pro Woche)</a:t>
+            </a:r>
+          </a:p>
+          <a:p>
+            <a:endParaRPr lang="de-DE" dirty="0"/>
+          </a:p>
+          <a:p>
+            <a:endParaRPr lang="de-DE" dirty="0"/>
           </a:p>
         </p:txBody>
       </p:sp>
     </p:spTree>
     <p:extLst>
       <p:ext uri="{BB962C8B-B14F-4D97-AF65-F5344CB8AC3E}">
-        <p14:creationId xmlns:p14="http://schemas.microsoft.com/office/powerpoint/2010/main" val="65150770"/>
+        <p14:creationId xmlns:p14="http://schemas.microsoft.com/office/powerpoint/2010/main" val="1981282875"/>
       </p:ext>
     </p:extLst>
   </p:cSld>
@@ -4935,142 +5380,7 @@
 </p:sld>
 </file>
 
-<file path=ppt/slides/slide16.xml><?xml version="1.0" encoding="utf-8"?>
-<p:sld xmlns:a="http://schemas.openxmlformats.org/drawingml/2006/main" xmlns:r="http://schemas.openxmlformats.org/officeDocument/2006/relationships" xmlns:p="http://schemas.openxmlformats.org/presentationml/2006/main">
-  <p:cSld>
-    <p:spTree>
-      <p:nvGrpSpPr>
-        <p:cNvPr id="1" name=""/>
-        <p:cNvGrpSpPr/>
-        <p:nvPr/>
-      </p:nvGrpSpPr>
-      <p:grpSpPr>
-        <a:xfrm>
-          <a:off x="0" y="0"/>
-          <a:ext cx="0" cy="0"/>
-          <a:chOff x="0" y="0"/>
-          <a:chExt cx="0" cy="0"/>
-        </a:xfrm>
-      </p:grpSpPr>
-      <p:sp>
-        <p:nvSpPr>
-          <p:cNvPr id="2" name="Title 1">
-            <a:extLst>
-              <a:ext uri="{FF2B5EF4-FFF2-40B4-BE49-F238E27FC236}">
-                <a16:creationId xmlns:a16="http://schemas.microsoft.com/office/drawing/2014/main" id="{B06CDD47-62E6-4F62-A7CE-3BB49DC58DEA}"/>
-              </a:ext>
-            </a:extLst>
-          </p:cNvPr>
-          <p:cNvSpPr>
-            <a:spLocks noGrp="1"/>
-          </p:cNvSpPr>
-          <p:nvPr>
-            <p:ph type="title"/>
-          </p:nvPr>
-        </p:nvSpPr>
-        <p:spPr/>
-        <p:txBody>
-          <a:bodyPr/>
-          <a:lstStyle/>
-          <a:p>
-            <a:r>
-              <a:rPr lang="de-DE" dirty="0"/>
-              <a:t>Gibt es Kriterien des nachhaltigen Lernens?</a:t>
-            </a:r>
-            <a:endParaRPr lang="en-US" dirty="0"/>
-          </a:p>
-        </p:txBody>
-      </p:sp>
-      <p:sp>
-        <p:nvSpPr>
-          <p:cNvPr id="3" name="Text Placeholder 2">
-            <a:extLst>
-              <a:ext uri="{FF2B5EF4-FFF2-40B4-BE49-F238E27FC236}">
-                <a16:creationId xmlns:a16="http://schemas.microsoft.com/office/drawing/2014/main" id="{6E7CDF61-4A2F-44D3-A5ED-BE34B3145903}"/>
-              </a:ext>
-            </a:extLst>
-          </p:cNvPr>
-          <p:cNvSpPr>
-            <a:spLocks noGrp="1"/>
-          </p:cNvSpPr>
-          <p:nvPr>
-            <p:ph type="body" sz="quarter" idx="10"/>
-          </p:nvPr>
-        </p:nvSpPr>
-        <p:spPr/>
-        <p:txBody>
-          <a:bodyPr/>
-          <a:lstStyle/>
-          <a:p>
-            <a:r>
-              <a:rPr lang="de-DE" sz="1600" dirty="0"/>
-              <a:t>Körperempfinden: Handeln, Emotion, Schmerz</a:t>
-            </a:r>
-          </a:p>
-          <a:p>
-            <a:r>
-              <a:rPr lang="de-DE" sz="1600" dirty="0"/>
-              <a:t>Zeit: zum Üben, Trainieren, Praktizieren, Wiederholen</a:t>
-            </a:r>
-          </a:p>
-          <a:p>
-            <a:r>
-              <a:rPr lang="de-DE" sz="1600" dirty="0"/>
-              <a:t>Strukturierungshilfe: extern, intern</a:t>
-            </a:r>
-          </a:p>
-          <a:p>
-            <a:r>
-              <a:rPr lang="de-DE" sz="1600" dirty="0"/>
-              <a:t>Anderer Menschen: durch und für andere, weil man sie mag, ihnen einen guten Eindruck machen möchte, Respekt vor ihnen hat, o.ä.</a:t>
-            </a:r>
-          </a:p>
-          <a:p>
-            <a:r>
-              <a:rPr lang="de-DE" sz="1600" dirty="0"/>
-              <a:t>Interesse </a:t>
-            </a:r>
-          </a:p>
-          <a:p>
-            <a:r>
-              <a:rPr lang="de-DE" sz="1600" dirty="0"/>
-              <a:t>Scheitern</a:t>
-            </a:r>
-          </a:p>
-          <a:p>
-            <a:r>
-              <a:rPr lang="de-DE" sz="1600" dirty="0"/>
-              <a:t>Leistungsdruck vs. „für sich selbst“ </a:t>
-            </a:r>
-          </a:p>
-          <a:p>
-            <a:r>
-              <a:rPr lang="de-DE" sz="1600" dirty="0"/>
-              <a:t>Konfrontation, Irritation</a:t>
-            </a:r>
-          </a:p>
-          <a:p>
-            <a:r>
-              <a:rPr lang="de-DE" sz="1600" dirty="0"/>
-              <a:t>nur Wissensvermittlung?</a:t>
-            </a:r>
-          </a:p>
-        </p:txBody>
-      </p:sp>
-    </p:spTree>
-    <p:extLst>
-      <p:ext uri="{BB962C8B-B14F-4D97-AF65-F5344CB8AC3E}">
-        <p14:creationId xmlns:p14="http://schemas.microsoft.com/office/powerpoint/2010/main" val="3338002435"/>
-      </p:ext>
-    </p:extLst>
-  </p:cSld>
-  <p:clrMapOvr>
-    <a:masterClrMapping/>
-  </p:clrMapOvr>
-</p:sld>
-</file>
-
-<file path=ppt/slides/slide17.xml><?xml version="1.0" encoding="utf-8"?>
+<file path=ppt/slides/slide18.xml><?xml version="1.0" encoding="utf-8"?>
 <p:sld xmlns:a="http://schemas.openxmlformats.org/drawingml/2006/main" xmlns:r="http://schemas.openxmlformats.org/officeDocument/2006/relationships" xmlns:p="http://schemas.openxmlformats.org/presentationml/2006/main">
   <p:cSld>
     <p:spTree>
@@ -5449,21 +5759,21 @@
           <a:lstStyle/>
           <a:p>
             <a:r>
-              <a:rPr lang="de-DE" dirty="0"/>
+              <a:rPr lang="de-DE" sz="1800" dirty="0"/>
               <a:t>Sie erkennen die Relevanz der Allgemeine Didaktik  </a:t>
             </a:r>
           </a:p>
           <a:p>
-            <a:endParaRPr lang="de-DE" dirty="0"/>
-          </a:p>
-          <a:p>
-            <a:r>
-              <a:rPr lang="de-DE" dirty="0"/>
+            <a:endParaRPr lang="de-DE" sz="1800" dirty="0"/>
+          </a:p>
+          <a:p>
+            <a:r>
+              <a:rPr lang="de-DE" sz="1800" dirty="0"/>
               <a:t>Sie haben einen Überblick über den Seminarverlauf und haben einen Eindruck, was auf Sie zukommt.</a:t>
             </a:r>
           </a:p>
           <a:p>
-            <a:endParaRPr lang="en-US" dirty="0"/>
+            <a:endParaRPr lang="en-US" sz="1800" dirty="0"/>
           </a:p>
         </p:txBody>
       </p:sp>
@@ -5676,7 +5986,7 @@
           <p:cNvPr id="2" name="Title 1">
             <a:extLst>
               <a:ext uri="{FF2B5EF4-FFF2-40B4-BE49-F238E27FC236}">
-                <a16:creationId xmlns:a16="http://schemas.microsoft.com/office/drawing/2014/main" id="{4872F2D3-6535-4897-A660-923A06F8C5A0}"/>
+                <a16:creationId xmlns:a16="http://schemas.microsoft.com/office/drawing/2014/main" id="{17F0A889-FFCA-48B9-BA00-A6243B448291}"/>
               </a:ext>
             </a:extLst>
           </p:cNvPr>
@@ -5693,20 +6003,9 @@
           <a:lstStyle/>
           <a:p>
             <a:r>
-              <a:rPr lang="en-US" dirty="0" err="1"/>
-              <a:t>Einf</a:t>
-            </a:r>
-            <a:r>
               <a:rPr lang="de-DE" dirty="0"/>
-              <a:t>ü</a:t>
-            </a:r>
-            <a:r>
-              <a:rPr lang="en-US" dirty="0" err="1"/>
-              <a:t>hrung</a:t>
-            </a:r>
-            <a:br>
-              <a:rPr lang="en-US" dirty="0"/>
-            </a:br>
+              <a:t>Inhalte der Veranstaltung (Modulhandbuch)</a:t>
+            </a:r>
             <a:endParaRPr lang="en-US" dirty="0"/>
           </a:p>
         </p:txBody>
@@ -5716,7 +6015,7 @@
           <p:cNvPr id="3" name="Text Placeholder 2">
             <a:extLst>
               <a:ext uri="{FF2B5EF4-FFF2-40B4-BE49-F238E27FC236}">
-                <a16:creationId xmlns:a16="http://schemas.microsoft.com/office/drawing/2014/main" id="{84762FBA-2BFD-46FE-A99A-214CC870157F}"/>
+                <a16:creationId xmlns:a16="http://schemas.microsoft.com/office/drawing/2014/main" id="{95DC3179-E5AA-448B-868C-B3BA1F529EE5}"/>
               </a:ext>
             </a:extLst>
           </p:cNvPr>
@@ -5732,39 +6031,138 @@
           <a:bodyPr/>
           <a:lstStyle/>
           <a:p>
-            <a:r>
-              <a:rPr lang="de-DE" dirty="0"/>
-              <a:t>Wissen vermitteln oder Bildung ermöglichen?</a:t>
-            </a:r>
-          </a:p>
-          <a:p>
-            <a:r>
-              <a:rPr lang="de-DE" dirty="0"/>
-              <a:t>Handlungsfelder</a:t>
-            </a:r>
-          </a:p>
-          <a:p>
-            <a:pPr lvl="1"/>
-            <a:r>
-              <a:rPr lang="de-DE" sz="2000" dirty="0"/>
-              <a:t>Warum ist Allgemeine Didaktik wichtig für das Lehramt? </a:t>
-            </a:r>
-            <a:endParaRPr lang="en-US" sz="2000" dirty="0"/>
-          </a:p>
-          <a:p>
-            <a:pPr lvl="1"/>
-            <a:r>
-              <a:rPr lang="de-DE" sz="2000" dirty="0"/>
-              <a:t>Warum ist Allgemeine Didaktik wichtig für EW? </a:t>
-            </a:r>
-            <a:endParaRPr lang="en-US" sz="2000" dirty="0"/>
+            <a:pPr>
+              <a:buFont typeface="Arial" panose="020B0604020202020204" pitchFamily="34" charset="0"/>
+              <a:buChar char="•"/>
+            </a:pPr>
+            <a:r>
+              <a:rPr lang="de-DE" sz="1600" dirty="0"/>
+              <a:t>Grundfragen der Allgemeinen Didaktik </a:t>
+            </a:r>
+          </a:p>
+          <a:p>
+            <a:pPr marL="742950" lvl="1" indent="-285750">
+              <a:buFont typeface="Arial" panose="020B0604020202020204" pitchFamily="34" charset="0"/>
+              <a:buChar char="•"/>
+            </a:pPr>
+            <a:r>
+              <a:rPr lang="de-DE" sz="1600" dirty="0">
+                <a:latin typeface="Arial" panose="020B0604020202020204" pitchFamily="34" charset="0"/>
+                <a:cs typeface="Arial" panose="020B0604020202020204" pitchFamily="34" charset="0"/>
+              </a:rPr>
+              <a:t>Begriffe des Lehrens und Lernens</a:t>
+            </a:r>
+          </a:p>
+          <a:p>
+            <a:pPr marL="742950" lvl="1" indent="-285750">
+              <a:buFont typeface="Arial" panose="020B0604020202020204" pitchFamily="34" charset="0"/>
+              <a:buChar char="•"/>
+            </a:pPr>
+            <a:r>
+              <a:rPr lang="de-DE" sz="1600" dirty="0">
+                <a:latin typeface="Arial" panose="020B0604020202020204" pitchFamily="34" charset="0"/>
+                <a:cs typeface="Arial" panose="020B0604020202020204" pitchFamily="34" charset="0"/>
+              </a:rPr>
+              <a:t>Adressatenbezug</a:t>
+            </a:r>
+          </a:p>
+          <a:p>
+            <a:pPr marL="742950" lvl="1" indent="-285750">
+              <a:buFont typeface="Arial" panose="020B0604020202020204" pitchFamily="34" charset="0"/>
+              <a:buChar char="•"/>
+            </a:pPr>
+            <a:r>
+              <a:rPr lang="de-DE" sz="1600" dirty="0">
+                <a:latin typeface="Arial" panose="020B0604020202020204" pitchFamily="34" charset="0"/>
+                <a:cs typeface="Arial" panose="020B0604020202020204" pitchFamily="34" charset="0"/>
+              </a:rPr>
+              <a:t>Struktur des zu vermittelnden Gegenstandes</a:t>
+            </a:r>
+          </a:p>
+          <a:p>
+            <a:pPr marL="742950" lvl="1" indent="-285750">
+              <a:buFont typeface="Arial" panose="020B0604020202020204" pitchFamily="34" charset="0"/>
+              <a:buChar char="•"/>
+            </a:pPr>
+            <a:r>
+              <a:rPr lang="de-DE" sz="1600" dirty="0">
+                <a:latin typeface="Arial" panose="020B0604020202020204" pitchFamily="34" charset="0"/>
+                <a:cs typeface="Arial" panose="020B0604020202020204" pitchFamily="34" charset="0"/>
+              </a:rPr>
+              <a:t>Lernziele und ihre Überprüfung</a:t>
+            </a:r>
+          </a:p>
+          <a:p>
+            <a:pPr marL="742950" lvl="1" indent="-285750">
+              <a:buFont typeface="Arial" panose="020B0604020202020204" pitchFamily="34" charset="0"/>
+              <a:buChar char="•"/>
+            </a:pPr>
+            <a:r>
+              <a:rPr lang="de-DE" sz="1600" dirty="0">
+                <a:latin typeface="Arial" panose="020B0604020202020204" pitchFamily="34" charset="0"/>
+                <a:cs typeface="Arial" panose="020B0604020202020204" pitchFamily="34" charset="0"/>
+              </a:rPr>
+              <a:t>Methodik</a:t>
+            </a:r>
+          </a:p>
+          <a:p>
+            <a:pPr marL="742950" lvl="1" indent="-285750">
+              <a:buFont typeface="Arial" panose="020B0604020202020204" pitchFamily="34" charset="0"/>
+              <a:buChar char="•"/>
+            </a:pPr>
+            <a:r>
+              <a:rPr lang="de-DE" sz="1600" dirty="0">
+                <a:latin typeface="Arial" panose="020B0604020202020204" pitchFamily="34" charset="0"/>
+                <a:cs typeface="Arial" panose="020B0604020202020204" pitchFamily="34" charset="0"/>
+              </a:rPr>
+              <a:t>Sequenzierung von Lerninhalten</a:t>
+            </a:r>
+          </a:p>
+          <a:p>
+            <a:pPr>
+              <a:buFont typeface="Arial" panose="020B0604020202020204" pitchFamily="34" charset="0"/>
+              <a:buChar char="•"/>
+            </a:pPr>
+            <a:r>
+              <a:rPr lang="de-DE" sz="1600" dirty="0"/>
+              <a:t>Grundlegende Methoden der Vermittlung </a:t>
+            </a:r>
+          </a:p>
+          <a:p>
+            <a:pPr marL="742950" lvl="1" indent="-285750">
+              <a:buFont typeface="Arial" panose="020B0604020202020204" pitchFamily="34" charset="0"/>
+              <a:buChar char="•"/>
+            </a:pPr>
+            <a:r>
+              <a:rPr lang="de-DE" sz="1600" dirty="0">
+                <a:latin typeface="Arial" panose="020B0604020202020204" pitchFamily="34" charset="0"/>
+                <a:cs typeface="Arial" panose="020B0604020202020204" pitchFamily="34" charset="0"/>
+              </a:rPr>
+              <a:t>Moderation</a:t>
+            </a:r>
+          </a:p>
+          <a:p>
+            <a:pPr marL="742950" lvl="1" indent="-285750">
+              <a:buFont typeface="Arial" panose="020B0604020202020204" pitchFamily="34" charset="0"/>
+              <a:buChar char="•"/>
+            </a:pPr>
+            <a:r>
+              <a:rPr lang="de-DE" sz="1600" dirty="0">
+                <a:latin typeface="Arial" panose="020B0604020202020204" pitchFamily="34" charset="0"/>
+                <a:cs typeface="Arial" panose="020B0604020202020204" pitchFamily="34" charset="0"/>
+              </a:rPr>
+              <a:t>Präsentation</a:t>
+            </a:r>
+          </a:p>
+          <a:p>
+            <a:endParaRPr lang="en-US" sz="1600" dirty="0"/>
           </a:p>
         </p:txBody>
       </p:sp>
     </p:spTree>
     <p:extLst>
       <p:ext uri="{BB962C8B-B14F-4D97-AF65-F5344CB8AC3E}">
-        <p14:creationId xmlns:p14="http://schemas.microsoft.com/office/powerpoint/2010/main" val="1729630535"/>
+        <p14:creationId xmlns:p14="http://schemas.microsoft.com/office/powerpoint/2010/main" val="2494506631"/>
       </p:ext>
     </p:extLst>
   </p:cSld>
@@ -5796,7 +6194,7 @@
           <p:cNvPr id="2" name="Title 1">
             <a:extLst>
               <a:ext uri="{FF2B5EF4-FFF2-40B4-BE49-F238E27FC236}">
-                <a16:creationId xmlns:a16="http://schemas.microsoft.com/office/drawing/2014/main" id="{95952DCC-AE23-4D48-AFA2-2E8ACC682ABD}"/>
+                <a16:creationId xmlns:a16="http://schemas.microsoft.com/office/drawing/2014/main" id="{17F0A889-FFCA-48B9-BA00-A6243B448291}"/>
               </a:ext>
             </a:extLst>
           </p:cNvPr>
@@ -5813,16 +6211,8 @@
           <a:lstStyle/>
           <a:p>
             <a:r>
-              <a:rPr lang="en-US" dirty="0" err="1"/>
-              <a:t>Einf</a:t>
-            </a:r>
-            <a:r>
               <a:rPr lang="de-DE" dirty="0"/>
-              <a:t>ü</a:t>
-            </a:r>
-            <a:r>
-              <a:rPr lang="en-US" dirty="0" err="1"/>
-              <a:t>hrung</a:t>
+              <a:t>Ziele der Veranstaltung (Modulhandbuch)</a:t>
             </a:r>
             <a:endParaRPr lang="en-US" dirty="0"/>
           </a:p>
@@ -5833,7 +6223,7 @@
           <p:cNvPr id="3" name="Text Placeholder 2">
             <a:extLst>
               <a:ext uri="{FF2B5EF4-FFF2-40B4-BE49-F238E27FC236}">
-                <a16:creationId xmlns:a16="http://schemas.microsoft.com/office/drawing/2014/main" id="{A481241E-CD9B-4798-AD0A-F989EE6BE5CB}"/>
+                <a16:creationId xmlns:a16="http://schemas.microsoft.com/office/drawing/2014/main" id="{95DC3179-E5AA-448B-868C-B3BA1F529EE5}"/>
               </a:ext>
             </a:extLst>
           </p:cNvPr>
@@ -5844,107 +6234,80 @@
             <p:ph type="body" sz="quarter" idx="10"/>
           </p:nvPr>
         </p:nvSpPr>
-        <p:spPr>
-          <a:xfrm>
-            <a:off x="250824" y="1491630"/>
-            <a:ext cx="9145711" cy="3240087"/>
-          </a:xfrm>
-        </p:spPr>
+        <p:spPr/>
         <p:txBody>
           <a:bodyPr/>
           <a:lstStyle/>
           <a:p>
-            <a:r>
-              <a:rPr lang="de-DE" sz="1800" dirty="0">
-                <a:solidFill>
-                  <a:schemeClr val="tx1"/>
-                </a:solidFill>
-              </a:rPr>
-              <a:t>Subjektive </a:t>
-            </a:r>
-            <a:r>
-              <a:rPr lang="de-DE" sz="1800" dirty="0">
-                <a:solidFill>
-                  <a:schemeClr val="tx1"/>
-                </a:solidFill>
+            <a:pPr>
+              <a:buFont typeface="Arial" panose="020B0604020202020204" pitchFamily="34" charset="0"/>
+              <a:buChar char="•"/>
+            </a:pPr>
+            <a:r>
+              <a:rPr lang="de-DE" sz="1600" dirty="0"/>
+              <a:t>Die Studierenden erwerben grundlegende didaktische Kompetenzen im Sinn der </a:t>
+            </a:r>
+          </a:p>
+          <a:p>
+            <a:pPr marL="742950" lvl="1" indent="-285750">
+              <a:buFont typeface="Arial" panose="020B0604020202020204" pitchFamily="34" charset="0"/>
+              <a:buChar char="•"/>
+            </a:pPr>
+            <a:r>
+              <a:rPr lang="de-DE" sz="1600" dirty="0">
                 <a:latin typeface="Arial" panose="020B0604020202020204" pitchFamily="34" charset="0"/>
                 <a:cs typeface="Arial" panose="020B0604020202020204" pitchFamily="34" charset="0"/>
               </a:rPr>
-              <a:t>Wertentscheidungen</a:t>
-            </a:r>
-          </a:p>
-          <a:p>
-            <a:pPr lvl="1"/>
-            <a:r>
-              <a:rPr lang="de-DE" sz="1800" dirty="0">
+              <a:t>Fähigkeit zur Analyse von Lernsituationen</a:t>
+            </a:r>
+          </a:p>
+          <a:p>
+            <a:pPr marL="742950" lvl="1" indent="-285750">
+              <a:buFont typeface="Arial" panose="020B0604020202020204" pitchFamily="34" charset="0"/>
+              <a:buChar char="•"/>
+            </a:pPr>
+            <a:r>
+              <a:rPr lang="de-DE" sz="1600" dirty="0">
                 <a:latin typeface="Arial" panose="020B0604020202020204" pitchFamily="34" charset="0"/>
                 <a:cs typeface="Arial" panose="020B0604020202020204" pitchFamily="34" charset="0"/>
               </a:rPr>
-              <a:t>die Kunst, mit Lehre Bildung zu fördern</a:t>
-            </a:r>
-          </a:p>
-          <a:p>
-            <a:r>
-              <a:rPr lang="de-DE" sz="1800" dirty="0">
-                <a:solidFill>
-                  <a:schemeClr val="tx1"/>
-                </a:solidFill>
-              </a:rPr>
-              <a:t>Allgemeine Didaktik != </a:t>
-            </a:r>
-            <a:r>
-              <a:rPr lang="de-DE" sz="1800" dirty="0" err="1">
-                <a:solidFill>
-                  <a:schemeClr val="tx1"/>
-                </a:solidFill>
-              </a:rPr>
-              <a:t>Instructional</a:t>
-            </a:r>
-            <a:r>
-              <a:rPr lang="de-DE" sz="1800" dirty="0">
-                <a:solidFill>
-                  <a:schemeClr val="tx1"/>
-                </a:solidFill>
-              </a:rPr>
-              <a:t> Design</a:t>
-            </a:r>
-          </a:p>
-          <a:p>
-            <a:r>
-              <a:rPr lang="de-DE" sz="1800" dirty="0">
-                <a:solidFill>
-                  <a:schemeClr val="tx1"/>
-                </a:solidFill>
-              </a:rPr>
-              <a:t>Inhalt oder Inhalt und Methoden? </a:t>
-            </a:r>
-          </a:p>
-          <a:p>
-            <a:r>
-              <a:rPr lang="de-DE" sz="1800" dirty="0">
-                <a:solidFill>
-                  <a:schemeClr val="tx1"/>
-                </a:solidFill>
-              </a:rPr>
-              <a:t>Allgemeine Didaktik als Sündenbock?</a:t>
-            </a:r>
-          </a:p>
-          <a:p>
-            <a:pPr lvl="1"/>
-            <a:r>
-              <a:rPr lang="de-DE" sz="1800" dirty="0">
+              <a:t>der Anwendung von didaktischen Modellen</a:t>
+            </a:r>
+          </a:p>
+          <a:p>
+            <a:pPr marL="742950" lvl="1" indent="-285750">
+              <a:buFont typeface="Arial" panose="020B0604020202020204" pitchFamily="34" charset="0"/>
+              <a:buChar char="•"/>
+            </a:pPr>
+            <a:r>
+              <a:rPr lang="de-DE" sz="1600" dirty="0">
                 <a:latin typeface="Arial" panose="020B0604020202020204" pitchFamily="34" charset="0"/>
                 <a:cs typeface="Arial" panose="020B0604020202020204" pitchFamily="34" charset="0"/>
               </a:rPr>
-              <a:t>Effektivität, Praktikabilität, Brauchbarkeit</a:t>
-            </a:r>
+              <a:t>der Gestaltung von didaktischen Arrangements</a:t>
+            </a:r>
+          </a:p>
+          <a:p>
+            <a:pPr>
+              <a:buFont typeface="Arial" panose="020B0604020202020204" pitchFamily="34" charset="0"/>
+              <a:buChar char="•"/>
+            </a:pPr>
+            <a:r>
+              <a:rPr lang="de-DE" sz="1600" dirty="0"/>
+              <a:t>Die Studierenden können diesen Arrangements die passenden Vermittlungsmethoden zuordnen und umsetzen.</a:t>
+            </a:r>
+          </a:p>
+          <a:p>
+            <a:endParaRPr lang="en-US" sz="1800" dirty="0">
+              <a:latin typeface="+mj-lt"/>
+            </a:endParaRPr>
           </a:p>
         </p:txBody>
       </p:sp>
     </p:spTree>
     <p:extLst>
       <p:ext uri="{BB962C8B-B14F-4D97-AF65-F5344CB8AC3E}">
-        <p14:creationId xmlns:p14="http://schemas.microsoft.com/office/powerpoint/2010/main" val="459133199"/>
+        <p14:creationId xmlns:p14="http://schemas.microsoft.com/office/powerpoint/2010/main" val="969239147"/>
       </p:ext>
     </p:extLst>
   </p:cSld>
@@ -5976,7 +6339,7 @@
           <p:cNvPr id="2" name="Title 1">
             <a:extLst>
               <a:ext uri="{FF2B5EF4-FFF2-40B4-BE49-F238E27FC236}">
-                <a16:creationId xmlns:a16="http://schemas.microsoft.com/office/drawing/2014/main" id="{18357738-F44C-4C14-A42F-8F481648CDC8}"/>
+                <a16:creationId xmlns:a16="http://schemas.microsoft.com/office/drawing/2014/main" id="{1BE5A66C-7453-4629-A430-0CB2263B3E8B}"/>
               </a:ext>
             </a:extLst>
           </p:cNvPr>
@@ -5993,13 +6356,9 @@
           <a:lstStyle/>
           <a:p>
             <a:r>
-              <a:rPr lang="en-US" dirty="0" err="1"/>
-              <a:t>Herausforderungen</a:t>
-            </a:r>
-            <a:br>
               <a:rPr lang="en-US" dirty="0"/>
-            </a:br>
-            <a:endParaRPr lang="en-US" dirty="0"/>
+              <a:t>Aufgabe</a:t>
+            </a:r>
           </a:p>
         </p:txBody>
       </p:sp>
@@ -6008,7 +6367,7 @@
           <p:cNvPr id="3" name="Text Placeholder 2">
             <a:extLst>
               <a:ext uri="{FF2B5EF4-FFF2-40B4-BE49-F238E27FC236}">
-                <a16:creationId xmlns:a16="http://schemas.microsoft.com/office/drawing/2014/main" id="{5DF59022-6921-4118-9C12-565B9E4BECB4}"/>
+                <a16:creationId xmlns:a16="http://schemas.microsoft.com/office/drawing/2014/main" id="{FAE2C1EB-BC72-4C66-87E9-036814A9F75C}"/>
               </a:ext>
             </a:extLst>
           </p:cNvPr>
@@ -6024,124 +6383,72 @@
           <a:bodyPr/>
           <a:lstStyle/>
           <a:p>
-            <a:r>
-              <a:rPr lang="de-DE" sz="1600" dirty="0">
-                <a:solidFill>
-                  <a:schemeClr val="tx1"/>
-                </a:solidFill>
-              </a:rPr>
-              <a:t>Empirische Lehr-Lern Forschung (Instruktionspsychologie)</a:t>
+            <a:pPr>
+              <a:buFont typeface="+mj-lt"/>
+              <a:buAutoNum type="arabicPeriod"/>
+            </a:pPr>
+            <a:r>
+              <a:rPr lang="de-DE" sz="1600" dirty="0"/>
+              <a:t>Stellen Sie sich folgende Frage (15 min): </a:t>
             </a:r>
           </a:p>
           <a:p>
             <a:pPr lvl="1"/>
             <a:r>
-              <a:rPr lang="de-DE" sz="1600" dirty="0">
-                <a:latin typeface="Arial" panose="020B0604020202020204" pitchFamily="34" charset="0"/>
-                <a:cs typeface="Arial" panose="020B0604020202020204" pitchFamily="34" charset="0"/>
-              </a:rPr>
-              <a:t>Korrelation statt Experiment</a:t>
+              <a:rPr lang="de-DE" sz="1400" dirty="0"/>
+              <a:t>Wann haben Sie in Ihrem Leben etwas nachhaltig gelernt und was war das? Was haben Sie dabei gelernt? In welcher Situation? Warum glauben Sie, dass Sie das behalten haben? Was hat dazu beigetragen? </a:t>
             </a:r>
           </a:p>
           <a:p>
             <a:pPr lvl="1"/>
             <a:r>
-              <a:rPr lang="de-DE" sz="1600" dirty="0">
-                <a:latin typeface="Arial" panose="020B0604020202020204" pitchFamily="34" charset="0"/>
-                <a:cs typeface="Arial" panose="020B0604020202020204" pitchFamily="34" charset="0"/>
-              </a:rPr>
-              <a:t>Ideal ist klar: strukturiert, vorbereitet, angepasst, an Lernziele orientiert, Zeit gut genutzt, keine Störungen, in eigenständige Lernprozesse hineinbringend</a:t>
-            </a:r>
-          </a:p>
-          <a:p>
-            <a:pPr lvl="1"/>
-            <a:r>
-              <a:rPr lang="de-DE" sz="1600" dirty="0">
-                <a:latin typeface="Arial" panose="020B0604020202020204" pitchFamily="34" charset="0"/>
-                <a:cs typeface="Arial" panose="020B0604020202020204" pitchFamily="34" charset="0"/>
-              </a:rPr>
-              <a:t>Aber wie realisiert man das? </a:t>
-            </a:r>
-          </a:p>
-          <a:p>
-            <a:r>
-              <a:rPr lang="de-DE" sz="1600" dirty="0">
-                <a:solidFill>
-                  <a:schemeClr val="tx1"/>
-                </a:solidFill>
-              </a:rPr>
-              <a:t>Fachdidaktik</a:t>
-            </a:r>
-          </a:p>
-          <a:p>
-            <a:pPr lvl="1"/>
-            <a:r>
-              <a:rPr lang="de-DE" sz="1600" dirty="0">
-                <a:latin typeface="Arial" panose="020B0604020202020204" pitchFamily="34" charset="0"/>
-                <a:cs typeface="Arial" panose="020B0604020202020204" pitchFamily="34" charset="0"/>
-              </a:rPr>
-              <a:t>E.g. Science </a:t>
-            </a:r>
-            <a:r>
-              <a:rPr lang="de-DE" sz="1600" dirty="0" err="1">
-                <a:latin typeface="Arial" panose="020B0604020202020204" pitchFamily="34" charset="0"/>
-                <a:cs typeface="Arial" panose="020B0604020202020204" pitchFamily="34" charset="0"/>
-              </a:rPr>
-              <a:t>education</a:t>
-            </a:r>
-            <a:endParaRPr lang="de-DE" sz="1600" dirty="0">
-              <a:latin typeface="Arial" panose="020B0604020202020204" pitchFamily="34" charset="0"/>
-              <a:cs typeface="Arial" panose="020B0604020202020204" pitchFamily="34" charset="0"/>
-            </a:endParaRPr>
-          </a:p>
-          <a:p>
-            <a:r>
-              <a:rPr lang="de-DE" sz="1600" dirty="0">
-                <a:solidFill>
-                  <a:schemeClr val="tx1"/>
-                </a:solidFill>
-              </a:rPr>
-              <a:t>Neurodidaktik </a:t>
-            </a:r>
-          </a:p>
-          <a:p>
-            <a:r>
-              <a:rPr lang="de-DE" sz="1600" dirty="0">
-                <a:solidFill>
-                  <a:schemeClr val="tx1"/>
-                </a:solidFill>
-              </a:rPr>
-              <a:t>Lernen im </a:t>
-            </a:r>
-            <a:r>
-              <a:rPr lang="de-DE" sz="1600" dirty="0">
-                <a:solidFill>
-                  <a:schemeClr val="tx1"/>
-                </a:solidFill>
-                <a:latin typeface="Arial" panose="020B0604020202020204" pitchFamily="34" charset="0"/>
-                <a:cs typeface="Arial" panose="020B0604020202020204" pitchFamily="34" charset="0"/>
-              </a:rPr>
-              <a:t>Alltag </a:t>
-            </a:r>
-            <a:endParaRPr lang="de-DE" sz="1600" dirty="0">
-              <a:solidFill>
-                <a:schemeClr val="tx1"/>
-              </a:solidFill>
-            </a:endParaRPr>
-          </a:p>
-          <a:p>
-            <a:pPr lvl="1"/>
-            <a:endParaRPr lang="en-US" sz="1600" dirty="0">
-              <a:latin typeface="Arial" panose="020B0604020202020204" pitchFamily="34" charset="0"/>
-              <a:cs typeface="Arial" panose="020B0604020202020204" pitchFamily="34" charset="0"/>
-            </a:endParaRPr>
+              <a:rPr lang="de-DE" sz="1400" dirty="0"/>
+              <a:t>Nehmen Sie sich ein bisschen Zeit und schreiben Sie bitte in drei oder vier Sätzen auf, was ein nachhaltiges Lernerlebnis für Sie war. </a:t>
+            </a:r>
+          </a:p>
+          <a:p>
+            <a:pPr>
+              <a:buFont typeface="+mj-lt"/>
+              <a:buAutoNum type="arabicPeriod"/>
+            </a:pPr>
+            <a:r>
+              <a:rPr lang="de-DE" sz="1600" dirty="0"/>
+              <a:t>Tauschen Sie sich mit ihre virtuellen Nachbarn aus. </a:t>
+            </a:r>
+          </a:p>
+          <a:p>
+            <a:pPr>
+              <a:buFont typeface="+mj-lt"/>
+              <a:buAutoNum type="arabicPeriod"/>
+            </a:pPr>
+            <a:r>
+              <a:rPr lang="de-DE" sz="1600" dirty="0"/>
+              <a:t>Tauschen Sie sich in eine kleine Gruppe aus. </a:t>
+            </a:r>
+          </a:p>
+          <a:p>
+            <a:pPr>
+              <a:buFont typeface="+mj-lt"/>
+              <a:buAutoNum type="arabicPeriod"/>
+            </a:pPr>
+            <a:r>
+              <a:rPr lang="de-DE" sz="1600" dirty="0"/>
+              <a:t>Lassen sich Ähnlichkeiten erkennen, die bei mehreren Erzählungen auftauchen?</a:t>
+            </a:r>
+          </a:p>
+          <a:p>
+            <a:pPr>
+              <a:buFont typeface="+mj-lt"/>
+              <a:buAutoNum type="arabicPeriod"/>
+            </a:pPr>
+            <a:endParaRPr lang="en-US" sz="1600" dirty="0"/>
           </a:p>
         </p:txBody>
       </p:sp>
     </p:spTree>
     <p:extLst>
       <p:ext uri="{BB962C8B-B14F-4D97-AF65-F5344CB8AC3E}">
-        <p14:creationId xmlns:p14="http://schemas.microsoft.com/office/powerpoint/2010/main" val="2389329266"/>
+        <p14:creationId xmlns:p14="http://schemas.microsoft.com/office/powerpoint/2010/main" val="65150770"/>
       </p:ext>
     </p:extLst>
   </p:cSld>
@@ -6173,7 +6480,7 @@
           <p:cNvPr id="2" name="Title 1">
             <a:extLst>
               <a:ext uri="{FF2B5EF4-FFF2-40B4-BE49-F238E27FC236}">
-                <a16:creationId xmlns:a16="http://schemas.microsoft.com/office/drawing/2014/main" id="{DA1188AE-B668-4AFF-96BE-853DCCB85C72}"/>
+                <a16:creationId xmlns:a16="http://schemas.microsoft.com/office/drawing/2014/main" id="{B06CDD47-62E6-4F62-A7CE-3BB49DC58DEA}"/>
               </a:ext>
             </a:extLst>
           </p:cNvPr>
@@ -6191,12 +6498,9 @@
           <a:p>
             <a:r>
               <a:rPr lang="de-DE" dirty="0"/>
-              <a:t>Empirische Unterrichtsforschung </a:t>
-            </a:r>
-            <a:br>
-              <a:rPr lang="de-DE" dirty="0"/>
-            </a:br>
-            <a:endParaRPr lang="de-DE" dirty="0"/>
+              <a:t>Gibt es Kriterien des nachhaltigen Lernens?</a:t>
+            </a:r>
+            <a:endParaRPr lang="en-US" dirty="0"/>
           </a:p>
         </p:txBody>
       </p:sp>
@@ -6205,7 +6509,7 @@
           <p:cNvPr id="3" name="Text Placeholder 2">
             <a:extLst>
               <a:ext uri="{FF2B5EF4-FFF2-40B4-BE49-F238E27FC236}">
-                <a16:creationId xmlns:a16="http://schemas.microsoft.com/office/drawing/2014/main" id="{8A3EDD97-4A0C-40A1-82BC-4F8B13BB42C8}"/>
+                <a16:creationId xmlns:a16="http://schemas.microsoft.com/office/drawing/2014/main" id="{6E7CDF61-4A2F-44D3-A5ED-BE34B3145903}"/>
               </a:ext>
             </a:extLst>
           </p:cNvPr>
@@ -6223,96 +6527,63 @@
           <a:p>
             <a:r>
               <a:rPr lang="de-DE" sz="1600" dirty="0"/>
-              <a:t>Lehr-Lern </a:t>
-            </a:r>
-            <a:r>
-              <a:rPr lang="de-DE" sz="1600" dirty="0" err="1"/>
-              <a:t>vs</a:t>
-            </a:r>
+              <a:t>Körperempfinden: Handeln, Emotion, Schmerz</a:t>
+            </a:r>
+          </a:p>
+          <a:p>
             <a:r>
               <a:rPr lang="de-DE" sz="1600" dirty="0"/>
-              <a:t> Interaktions- und Sozialisationsaspekt</a:t>
+              <a:t>Zeit: zum Üben, Trainieren, Praktizieren, Wiederholen</a:t>
             </a:r>
           </a:p>
           <a:p>
             <a:r>
               <a:rPr lang="de-DE" sz="1600" dirty="0"/>
-              <a:t>Angebot-Nutzungs-Modell (Mitverantwortung)</a:t>
+              <a:t>Strukturierungshilfe: extern, intern</a:t>
             </a:r>
           </a:p>
           <a:p>
             <a:r>
               <a:rPr lang="de-DE" sz="1600" dirty="0"/>
-              <a:t>Fachdidaktisch</a:t>
+              <a:t>Anderer Menschen: durch und für andere, weil man sie mag, ihnen einen guten Eindruck machen möchte, Respekt vor ihnen hat, o.ä.</a:t>
             </a:r>
           </a:p>
           <a:p>
             <a:r>
               <a:rPr lang="de-DE" sz="1600" dirty="0"/>
-              <a:t>Keine </a:t>
-            </a:r>
-            <a:r>
-              <a:rPr lang="de-DE" sz="1600" i="1" dirty="0"/>
-              <a:t>eine </a:t>
-            </a:r>
-            <a:r>
-              <a:rPr lang="de-DE" sz="1600" i="1" dirty="0" err="1"/>
-              <a:t>ware</a:t>
-            </a:r>
-            <a:r>
-              <a:rPr lang="de-DE" sz="1600" i="1" dirty="0"/>
-              <a:t> Methode</a:t>
-            </a:r>
-          </a:p>
-          <a:p>
-            <a:r>
-              <a:rPr lang="de-DE" sz="1600" dirty="0" err="1"/>
-              <a:t>Lehrereffektivitaet</a:t>
-            </a:r>
+              <a:t>Interesse </a:t>
+            </a:r>
+          </a:p>
+          <a:p>
             <a:r>
               <a:rPr lang="de-DE" sz="1600" dirty="0"/>
-              <a:t> weniger wichtig als gedacht (cf. Vorwissen)</a:t>
-            </a:r>
-          </a:p>
-          <a:p>
-            <a:r>
-              <a:rPr lang="de-DE" sz="1600" dirty="0" err="1"/>
-              <a:t>Engfuehrung</a:t>
-            </a:r>
+              <a:t>Scheitern</a:t>
+            </a:r>
+          </a:p>
+          <a:p>
             <a:r>
               <a:rPr lang="de-DE" sz="1600" dirty="0"/>
-              <a:t> in der Bildungsforschung</a:t>
+              <a:t>Leistungsdruck vs. „für sich selbst“ </a:t>
             </a:r>
           </a:p>
           <a:p>
             <a:r>
               <a:rPr lang="de-DE" sz="1600" dirty="0"/>
-              <a:t>Zwei fremde Schwester</a:t>
-            </a:r>
-          </a:p>
-          <a:p>
-            <a:pPr lvl="1"/>
+              <a:t>Konfrontation, Irritation</a:t>
+            </a:r>
+          </a:p>
+          <a:p>
             <a:r>
               <a:rPr lang="de-DE" sz="1600" dirty="0"/>
-              <a:t>Wissenschaft bestimmt praktische Arbeit nur ganz wenig </a:t>
-            </a:r>
-          </a:p>
-          <a:p>
-            <a:pPr lvl="1"/>
-            <a:r>
-              <a:rPr lang="de-DE" sz="1600" dirty="0"/>
-              <a:t>Institutionsblindheit</a:t>
-            </a:r>
-          </a:p>
-          <a:p>
-            <a:endParaRPr lang="de-DE" sz="1800" dirty="0"/>
+              <a:t>nur Wissensvermittlung?</a:t>
+            </a:r>
           </a:p>
         </p:txBody>
       </p:sp>
     </p:spTree>
     <p:extLst>
       <p:ext uri="{BB962C8B-B14F-4D97-AF65-F5344CB8AC3E}">
-        <p14:creationId xmlns:p14="http://schemas.microsoft.com/office/powerpoint/2010/main" val="4170653433"/>
+        <p14:creationId xmlns:p14="http://schemas.microsoft.com/office/powerpoint/2010/main" val="3338002435"/>
       </p:ext>
     </p:extLst>
   </p:cSld>
@@ -6344,7 +6615,7 @@
           <p:cNvPr id="2" name="Title 1">
             <a:extLst>
               <a:ext uri="{FF2B5EF4-FFF2-40B4-BE49-F238E27FC236}">
-                <a16:creationId xmlns:a16="http://schemas.microsoft.com/office/drawing/2014/main" id="{193A0400-9C5C-49D9-9461-90B53056715E}"/>
+                <a16:creationId xmlns:a16="http://schemas.microsoft.com/office/drawing/2014/main" id="{4872F2D3-6535-4897-A660-923A06F8C5A0}"/>
               </a:ext>
             </a:extLst>
           </p:cNvPr>
@@ -6361,13 +6632,21 @@
           <a:lstStyle/>
           <a:p>
             <a:r>
+              <a:rPr lang="en-US" dirty="0" err="1"/>
+              <a:t>Einf</a:t>
+            </a:r>
+            <a:r>
               <a:rPr lang="de-DE" dirty="0"/>
-              <a:t>Einführungen</a:t>
-            </a:r>
-            <a:r>
+              <a:t>ü</a:t>
+            </a:r>
+            <a:r>
+              <a:rPr lang="en-US" dirty="0" err="1"/>
+              <a:t>hrung</a:t>
+            </a:r>
+            <a:br>
               <a:rPr lang="en-US" dirty="0"/>
-              <a:t> </a:t>
-            </a:r>
+            </a:br>
+            <a:endParaRPr lang="en-US" dirty="0"/>
           </a:p>
         </p:txBody>
       </p:sp>
@@ -6376,7 +6655,7 @@
           <p:cNvPr id="3" name="Text Placeholder 2">
             <a:extLst>
               <a:ext uri="{FF2B5EF4-FFF2-40B4-BE49-F238E27FC236}">
-                <a16:creationId xmlns:a16="http://schemas.microsoft.com/office/drawing/2014/main" id="{03B32A4B-AF1E-4C17-84F9-3517BFA909DA}"/>
+                <a16:creationId xmlns:a16="http://schemas.microsoft.com/office/drawing/2014/main" id="{84762FBA-2BFD-46FE-A99A-214CC870157F}"/>
               </a:ext>
             </a:extLst>
           </p:cNvPr>
@@ -6393,28 +6672,29 @@
           <a:lstStyle/>
           <a:p>
             <a:r>
-              <a:rPr lang="de-DE" sz="1800" dirty="0" err="1"/>
-              <a:t>Terhart</a:t>
-            </a:r>
-            <a:r>
               <a:rPr lang="de-DE" sz="1800" dirty="0"/>
-              <a:t>, E. (2019). Didaktik: Eine Einführung. Reclam.</a:t>
-            </a:r>
-          </a:p>
-          <a:p>
-            <a:r>
-              <a:rPr lang="de-DE" sz="1800" dirty="0" err="1"/>
-              <a:t>Coriand</a:t>
-            </a:r>
+              <a:t>Wissen vermitteln oder Bildung ermöglichen?</a:t>
+            </a:r>
+          </a:p>
+          <a:p>
             <a:r>
               <a:rPr lang="de-DE" sz="1800" dirty="0"/>
-              <a:t>, R. (2017). Allgemeine Didaktik. https://content-select.com/de/portal/media/view/5a8d4d12-b300-4208-84f2-2dc4b0dd2d03</a:t>
-            </a:r>
-          </a:p>
-          <a:p>
+              <a:t>Handlungsfelder</a:t>
+            </a:r>
+          </a:p>
+          <a:p>
+            <a:pPr lvl="1"/>
             <a:r>
               <a:rPr lang="de-DE" sz="1800" dirty="0"/>
-              <a:t>Seel, B. M., Hanke, U. (2015). Erziehungswissenschaft. Lehrbuch für Bachelor-, Master- und Lehramtsstudierende. Springer. </a:t>
+              <a:t>Warum ist Allgemeine Didaktik wichtig für das Lehramt? </a:t>
+            </a:r>
+            <a:endParaRPr lang="en-US" sz="1800" dirty="0"/>
+          </a:p>
+          <a:p>
+            <a:pPr lvl="1"/>
+            <a:r>
+              <a:rPr lang="de-DE" sz="1800" dirty="0"/>
+              <a:t>Warum ist Allgemeine Didaktik wichtig für EW? </a:t>
             </a:r>
             <a:endParaRPr lang="en-US" sz="1800" dirty="0"/>
           </a:p>
@@ -6423,7 +6703,7 @@
     </p:spTree>
     <p:extLst>
       <p:ext uri="{BB962C8B-B14F-4D97-AF65-F5344CB8AC3E}">
-        <p14:creationId xmlns:p14="http://schemas.microsoft.com/office/powerpoint/2010/main" val="39849712"/>
+        <p14:creationId xmlns:p14="http://schemas.microsoft.com/office/powerpoint/2010/main" val="1729630535"/>
       </p:ext>
     </p:extLst>
   </p:cSld>

--- a/folien/week1.pptx
+++ b/folien/week1.pptx
@@ -251,7 +251,7 @@
           <a:p>
             <a:fld id="{21C000D9-2858-4F4C-AF5C-64F79A7C2410}" type="datetimeFigureOut">
               <a:rPr lang="en-US" smtClean="0"/>
-              <a:t>4/14/2021</a:t>
+              <a:t>4/19/2021</a:t>
             </a:fld>
             <a:endParaRPr lang="en-US"/>
           </a:p>
@@ -5468,25 +5468,37 @@
           <a:p>
             <a:r>
               <a:rPr lang="de-DE" sz="1400" dirty="0"/>
-              <a:t>Vorbereitendes Material: </a:t>
+              <a:t>Vorbereitendes Material (</a:t>
+            </a:r>
+            <a:r>
+              <a:rPr lang="de-DE" sz="1400" dirty="0" err="1"/>
+              <a:t>fuer</a:t>
+            </a:r>
+            <a:r>
+              <a:rPr lang="de-DE" sz="1400" dirty="0"/>
+              <a:t> </a:t>
+            </a:r>
+            <a:r>
+              <a:rPr lang="de-DE" sz="1400" dirty="0" err="1"/>
+              <a:t>naechstes</a:t>
+            </a:r>
+            <a:r>
+              <a:rPr lang="de-DE" sz="1400" dirty="0"/>
+              <a:t> Seminar): </a:t>
             </a:r>
           </a:p>
           <a:p>
             <a:pPr lvl="1"/>
             <a:r>
-              <a:rPr lang="de-DE" sz="1400"/>
+              <a:rPr lang="de-DE" sz="1400" dirty="0"/>
               <a:t>Syllabus</a:t>
             </a:r>
           </a:p>
           <a:p>
             <a:pPr lvl="1"/>
             <a:r>
-              <a:rPr lang="de-DE" sz="1400"/>
-              <a:t>Meyer</a:t>
-            </a:r>
-            <a:r>
               <a:rPr lang="de-DE" sz="1400" dirty="0"/>
-              <a:t>, Meinert A. (2016): Rückständig oder zukunftsweisend? Reflexionen zum Potential der Allgemeinen Didaktik. In: Wegner, Anke (Hrsg.): Allgemeine Didaktik: Praxis, Positionen, Perspektiven. Leverkusen: Verlag Barbara </a:t>
+              <a:t>Meyer, Meinert A. (2016): Rückständig oder zukunftsweisend? Reflexionen zum Potential der Allgemeinen Didaktik. In: Wegner, Anke (Hrsg.): Allgemeine Didaktik: Praxis, Positionen, Perspektiven. Leverkusen: Verlag Barbara </a:t>
             </a:r>
             <a:r>
               <a:rPr lang="de-DE" sz="1400" dirty="0" err="1"/>
@@ -5522,7 +5534,7 @@
           <a:p>
             <a:r>
               <a:rPr lang="de-DE" sz="1400" dirty="0"/>
-              <a:t>Schreiben</a:t>
+              <a:t>Aufgabe (Nachbereitung von heute)</a:t>
             </a:r>
           </a:p>
           <a:p>
@@ -5530,13 +5542,6 @@
             <a:r>
               <a:rPr lang="de-DE" sz="1400" dirty="0"/>
               <a:t>Lehrerfahrung hochladen </a:t>
-            </a:r>
-          </a:p>
-          <a:p>
-            <a:pPr lvl="1"/>
-            <a:r>
-              <a:rPr lang="de-DE" sz="1400" dirty="0"/>
-              <a:t>Erste Eintrag im Portfolio </a:t>
             </a:r>
           </a:p>
           <a:p>
